--- a/materials/troubleshooting/files/OSGUS2023_troubleshooting.pptx
+++ b/materials/troubleshooting/files/OSGUS2023_troubleshooting.pptx
@@ -5,7 +5,7 @@
     <p:sldMasterId id="2147483660" r:id="rId1"/>
   </p:sldMasterIdLst>
   <p:notesMasterIdLst>
-    <p:notesMasterId r:id="rId28"/>
+    <p:notesMasterId r:id="rId27"/>
   </p:notesMasterIdLst>
   <p:sldIdLst>
     <p:sldId id="257" r:id="rId2"/>
@@ -21,19 +21,18 @@
     <p:sldId id="476" r:id="rId12"/>
     <p:sldId id="481" r:id="rId13"/>
     <p:sldId id="626" r:id="rId14"/>
-    <p:sldId id="297" r:id="rId15"/>
-    <p:sldId id="298" r:id="rId16"/>
-    <p:sldId id="489" r:id="rId17"/>
-    <p:sldId id="625" r:id="rId18"/>
-    <p:sldId id="293" r:id="rId19"/>
-    <p:sldId id="294" r:id="rId20"/>
-    <p:sldId id="295" r:id="rId21"/>
-    <p:sldId id="299" r:id="rId22"/>
-    <p:sldId id="300" r:id="rId23"/>
-    <p:sldId id="488" r:id="rId24"/>
-    <p:sldId id="622" r:id="rId25"/>
-    <p:sldId id="623" r:id="rId26"/>
-    <p:sldId id="304" r:id="rId27"/>
+    <p:sldId id="298" r:id="rId15"/>
+    <p:sldId id="489" r:id="rId16"/>
+    <p:sldId id="625" r:id="rId17"/>
+    <p:sldId id="293" r:id="rId18"/>
+    <p:sldId id="294" r:id="rId19"/>
+    <p:sldId id="295" r:id="rId20"/>
+    <p:sldId id="299" r:id="rId21"/>
+    <p:sldId id="300" r:id="rId22"/>
+    <p:sldId id="488" r:id="rId23"/>
+    <p:sldId id="622" r:id="rId24"/>
+    <p:sldId id="623" r:id="rId25"/>
+    <p:sldId id="304" r:id="rId26"/>
   </p:sldIdLst>
   <p:sldSz cx="12192000" cy="6858000"/>
   <p:notesSz cx="6858000" cy="9144000"/>
@@ -138,7 +137,7 @@
 <file path=ppt/revisionInfo.xml><?xml version="1.0" encoding="utf-8"?>
 <p1510:revInfo xmlns:a="http://schemas.openxmlformats.org/drawingml/2006/main" xmlns:r="http://schemas.openxmlformats.org/officeDocument/2006/relationships" xmlns:p1510="http://schemas.microsoft.com/office/powerpoint/2015/10/main">
   <p1510:revLst>
-    <p1510:client id="{73B46DF1-FB7B-D745-893F-D7BA40AA14D5}" v="872" dt="2023-08-08T04:28:44.993"/>
+    <p1510:client id="{73B46DF1-FB7B-D745-893F-D7BA40AA14D5}" v="879" dt="2023-08-08T14:30:37.004"/>
   </p1510:revLst>
 </p1510:revInfo>
 </file>
@@ -557,7 +556,7 @@
           <a:p>
             <a:fld id="{9E3F4FF5-9F22-1241-8921-F2C4043E761B}" type="slidenum">
               <a:rPr lang="en-US" smtClean="0"/>
-              <a:t>6</a:t>
+              <a:t>2</a:t>
             </a:fld>
             <a:endParaRPr lang="en-US"/>
           </a:p>
@@ -566,7 +565,7 @@
     </p:spTree>
     <p:extLst>
       <p:ext uri="{BB962C8B-B14F-4D97-AF65-F5344CB8AC3E}">
-        <p14:creationId xmlns:p14="http://schemas.microsoft.com/office/powerpoint/2010/main" val="2701910372"/>
+        <p14:creationId xmlns:p14="http://schemas.microsoft.com/office/powerpoint/2010/main" val="2697757529"/>
       </p:ext>
     </p:extLst>
   </p:cSld>
@@ -603,12 +602,7 @@
             <p:ph type="sldImg"/>
           </p:nvPr>
         </p:nvSpPr>
-        <p:spPr>
-          <a:xfrm>
-            <a:off x="381000" y="685800"/>
-            <a:ext cx="6096000" cy="3429000"/>
-          </a:xfrm>
-        </p:spPr>
+        <p:spPr/>
       </p:sp>
       <p:sp>
         <p:nvSpPr>
@@ -625,28 +619,37 @@
           <a:bodyPr/>
           <a:lstStyle/>
           <a:p>
-            <a:r>
-              <a:rPr lang="en-US" dirty="0"/>
-              <a:t>Talk about when hold happens. You can see when you type </a:t>
-            </a:r>
-            <a:r>
-              <a:rPr lang="en-US" dirty="0" err="1"/>
-              <a:t>condor_q</a:t>
-            </a:r>
-            <a:r>
-              <a:rPr lang="en-US" dirty="0"/>
-              <a:t> –hold</a:t>
-            </a:r>
-          </a:p>
-          <a:p>
             <a:endParaRPr lang="en-US" dirty="0"/>
+          </a:p>
+        </p:txBody>
+      </p:sp>
+      <p:sp>
+        <p:nvSpPr>
+          <p:cNvPr id="4" name="Slide Number Placeholder 3"/>
+          <p:cNvSpPr>
+            <a:spLocks noGrp="1"/>
+          </p:cNvSpPr>
+          <p:nvPr>
+            <p:ph type="sldNum" sz="quarter" idx="5"/>
+          </p:nvPr>
+        </p:nvSpPr>
+        <p:spPr/>
+        <p:txBody>
+          <a:bodyPr/>
+          <a:lstStyle/>
+          <a:p>
+            <a:fld id="{9E3F4FF5-9F22-1241-8921-F2C4043E761B}" type="slidenum">
+              <a:rPr lang="en-US" smtClean="0"/>
+              <a:t>6</a:t>
+            </a:fld>
+            <a:endParaRPr lang="en-US"/>
           </a:p>
         </p:txBody>
       </p:sp>
     </p:spTree>
     <p:extLst>
       <p:ext uri="{BB962C8B-B14F-4D97-AF65-F5344CB8AC3E}">
-        <p14:creationId xmlns:p14="http://schemas.microsoft.com/office/powerpoint/2010/main" val="1979690172"/>
+        <p14:creationId xmlns:p14="http://schemas.microsoft.com/office/powerpoint/2010/main" val="2701910372"/>
       </p:ext>
     </p:extLst>
   </p:cSld>
@@ -683,7 +686,12 @@
             <p:ph type="sldImg"/>
           </p:nvPr>
         </p:nvSpPr>
-        <p:spPr/>
+        <p:spPr>
+          <a:xfrm>
+            <a:off x="381000" y="685800"/>
+            <a:ext cx="6096000" cy="3429000"/>
+          </a:xfrm>
+        </p:spPr>
       </p:sp>
       <p:sp>
         <p:nvSpPr>
@@ -702,38 +710,26 @@
           <a:p>
             <a:r>
               <a:rPr lang="en-US" dirty="0"/>
-              <a:t>Have stash transfer too slow; job has run too long;</a:t>
-            </a:r>
-          </a:p>
-        </p:txBody>
-      </p:sp>
-      <p:sp>
-        <p:nvSpPr>
-          <p:cNvPr id="4" name="Slide Number Placeholder 3"/>
-          <p:cNvSpPr>
-            <a:spLocks noGrp="1"/>
-          </p:cNvSpPr>
-          <p:nvPr>
-            <p:ph type="sldNum" sz="quarter" idx="5"/>
-          </p:nvPr>
-        </p:nvSpPr>
-        <p:spPr/>
-        <p:txBody>
-          <a:bodyPr/>
-          <a:lstStyle/>
-          <a:p>
-            <a:fld id="{9E3F4FF5-9F22-1241-8921-F2C4043E761B}" type="slidenum">
-              <a:rPr lang="en-US" smtClean="0"/>
-              <a:t>13</a:t>
-            </a:fld>
-            <a:endParaRPr lang="en-US"/>
+              <a:t>Talk about when hold happens. You can see when you type </a:t>
+            </a:r>
+            <a:r>
+              <a:rPr lang="en-US" dirty="0" err="1"/>
+              <a:t>condor_q</a:t>
+            </a:r>
+            <a:r>
+              <a:rPr lang="en-US" dirty="0"/>
+              <a:t> –hold</a:t>
+            </a:r>
+          </a:p>
+          <a:p>
+            <a:endParaRPr lang="en-US" dirty="0"/>
           </a:p>
         </p:txBody>
       </p:sp>
     </p:spTree>
     <p:extLst>
       <p:ext uri="{BB962C8B-B14F-4D97-AF65-F5344CB8AC3E}">
-        <p14:creationId xmlns:p14="http://schemas.microsoft.com/office/powerpoint/2010/main" val="1501255085"/>
+        <p14:creationId xmlns:p14="http://schemas.microsoft.com/office/powerpoint/2010/main" val="1979690172"/>
       </p:ext>
     </p:extLst>
   </p:cSld>
@@ -770,12 +766,7 @@
             <p:ph type="sldImg"/>
           </p:nvPr>
         </p:nvSpPr>
-        <p:spPr>
-          <a:xfrm>
-            <a:off x="381000" y="685800"/>
-            <a:ext cx="6096000" cy="3429000"/>
-          </a:xfrm>
-        </p:spPr>
+        <p:spPr/>
       </p:sp>
       <p:sp>
         <p:nvSpPr>
@@ -794,15 +785,38 @@
           <a:p>
             <a:r>
               <a:rPr lang="en-US" dirty="0"/>
-              <a:t>Slide 7 &amp; 15 are similar</a:t>
-            </a:r>
+              <a:t>Have stash transfer too slow; job has run too long;</a:t>
+            </a:r>
+          </a:p>
+        </p:txBody>
+      </p:sp>
+      <p:sp>
+        <p:nvSpPr>
+          <p:cNvPr id="4" name="Slide Number Placeholder 3"/>
+          <p:cNvSpPr>
+            <a:spLocks noGrp="1"/>
+          </p:cNvSpPr>
+          <p:nvPr>
+            <p:ph type="sldNum" sz="quarter" idx="5"/>
+          </p:nvPr>
+        </p:nvSpPr>
+        <p:spPr/>
+        <p:txBody>
+          <a:bodyPr/>
+          <a:lstStyle/>
+          <a:p>
+            <a:fld id="{9E3F4FF5-9F22-1241-8921-F2C4043E761B}" type="slidenum">
+              <a:rPr lang="en-US" smtClean="0"/>
+              <a:t>13</a:t>
+            </a:fld>
+            <a:endParaRPr lang="en-US"/>
           </a:p>
         </p:txBody>
       </p:sp>
     </p:spTree>
     <p:extLst>
       <p:ext uri="{BB962C8B-B14F-4D97-AF65-F5344CB8AC3E}">
-        <p14:creationId xmlns:p14="http://schemas.microsoft.com/office/powerpoint/2010/main" val="4050378810"/>
+        <p14:creationId xmlns:p14="http://schemas.microsoft.com/office/powerpoint/2010/main" val="1501255085"/>
       </p:ext>
     </p:extLst>
   </p:cSld>
@@ -839,7 +853,12 @@
             <p:ph type="sldImg"/>
           </p:nvPr>
         </p:nvSpPr>
-        <p:spPr/>
+        <p:spPr>
+          <a:xfrm>
+            <a:off x="381000" y="685800"/>
+            <a:ext cx="6096000" cy="3429000"/>
+          </a:xfrm>
+        </p:spPr>
       </p:sp>
       <p:sp>
         <p:nvSpPr>
@@ -858,6 +877,70 @@
           <a:p>
             <a:r>
               <a:rPr lang="en-US" dirty="0"/>
+              <a:t>Slide 7 &amp; 15 are similar</a:t>
+            </a:r>
+          </a:p>
+        </p:txBody>
+      </p:sp>
+    </p:spTree>
+    <p:extLst>
+      <p:ext uri="{BB962C8B-B14F-4D97-AF65-F5344CB8AC3E}">
+        <p14:creationId xmlns:p14="http://schemas.microsoft.com/office/powerpoint/2010/main" val="4050378810"/>
+      </p:ext>
+    </p:extLst>
+  </p:cSld>
+  <p:clrMapOvr>
+    <a:masterClrMapping/>
+  </p:clrMapOvr>
+</p:notes>
+</file>
+
+<file path=ppt/notesSlides/notesSlide6.xml><?xml version="1.0" encoding="utf-8"?>
+<p:notes xmlns:a="http://schemas.openxmlformats.org/drawingml/2006/main" xmlns:r="http://schemas.openxmlformats.org/officeDocument/2006/relationships" xmlns:p="http://schemas.openxmlformats.org/presentationml/2006/main">
+  <p:cSld>
+    <p:spTree>
+      <p:nvGrpSpPr>
+        <p:cNvPr id="1" name=""/>
+        <p:cNvGrpSpPr/>
+        <p:nvPr/>
+      </p:nvGrpSpPr>
+      <p:grpSpPr>
+        <a:xfrm>
+          <a:off x="0" y="0"/>
+          <a:ext cx="0" cy="0"/>
+          <a:chOff x="0" y="0"/>
+          <a:chExt cx="0" cy="0"/>
+        </a:xfrm>
+      </p:grpSpPr>
+      <p:sp>
+        <p:nvSpPr>
+          <p:cNvPr id="2" name="Slide Image Placeholder 1"/>
+          <p:cNvSpPr>
+            <a:spLocks noGrp="1" noRot="1" noChangeAspect="1"/>
+          </p:cNvSpPr>
+          <p:nvPr>
+            <p:ph type="sldImg"/>
+          </p:nvPr>
+        </p:nvSpPr>
+        <p:spPr/>
+      </p:sp>
+      <p:sp>
+        <p:nvSpPr>
+          <p:cNvPr id="3" name="Notes Placeholder 2"/>
+          <p:cNvSpPr>
+            <a:spLocks noGrp="1"/>
+          </p:cNvSpPr>
+          <p:nvPr>
+            <p:ph type="body" idx="1"/>
+          </p:nvPr>
+        </p:nvSpPr>
+        <p:spPr/>
+        <p:txBody>
+          <a:bodyPr/>
+          <a:lstStyle/>
+          <a:p>
+            <a:r>
+              <a:rPr lang="en-US" dirty="0"/>
               <a:t>Move to the diagnosis- can be in here either</a:t>
             </a:r>
           </a:p>
@@ -880,7 +963,7 @@
           <a:p>
             <a:fld id="{9E3F4FF5-9F22-1241-8921-F2C4043E761B}" type="slidenum">
               <a:rPr lang="en-US" smtClean="0"/>
-              <a:t>21</a:t>
+              <a:t>20</a:t>
             </a:fld>
             <a:endParaRPr lang="en-US"/>
           </a:p>
@@ -899,7 +982,7 @@
 </p:notes>
 </file>
 
-<file path=ppt/notesSlides/notesSlide6.xml><?xml version="1.0" encoding="utf-8"?>
+<file path=ppt/notesSlides/notesSlide7.xml><?xml version="1.0" encoding="utf-8"?>
 <p:notes xmlns:a="http://schemas.openxmlformats.org/drawingml/2006/main" xmlns:r="http://schemas.openxmlformats.org/officeDocument/2006/relationships" xmlns:p="http://schemas.openxmlformats.org/presentationml/2006/main">
   <p:cSld>
     <p:spTree>
@@ -5755,13 +5838,13 @@
         </p:nvSpPr>
         <p:spPr>
           <a:xfrm>
-            <a:off x="838200" y="1495425"/>
-            <a:ext cx="10515600" cy="4170914"/>
+            <a:off x="838200" y="1325563"/>
+            <a:ext cx="7327900" cy="4340776"/>
           </a:xfrm>
         </p:spPr>
         <p:txBody>
           <a:bodyPr>
-            <a:normAutofit lnSpcReduction="10000"/>
+            <a:normAutofit fontScale="92500"/>
           </a:bodyPr>
           <a:lstStyle/>
           <a:p>
@@ -5844,7 +5927,12 @@
             <p:ph type="sldNum" sz="quarter" idx="12"/>
           </p:nvPr>
         </p:nvSpPr>
-        <p:spPr/>
+        <p:spPr>
+          <a:xfrm>
+            <a:off x="10819598" y="6369050"/>
+            <a:ext cx="1372402" cy="365125"/>
+          </a:xfrm>
+        </p:spPr>
         <p:txBody>
           <a:bodyPr/>
           <a:lstStyle/>
@@ -5854,7 +5942,7 @@
               <a:pPr/>
               <a:t>10</a:t>
             </a:fld>
-            <a:endParaRPr lang="en-US"/>
+            <a:endParaRPr lang="en-US" dirty="0"/>
           </a:p>
         </p:txBody>
       </p:sp>
@@ -5891,6 +5979,36 @@
           </a:p>
         </p:txBody>
       </p:sp>
+      <p:pic>
+        <p:nvPicPr>
+          <p:cNvPr id="7" name="Picture 6" descr="A person wearing glasses&#10;&#10;Description automatically generated">
+            <a:extLst>
+              <a:ext uri="{FF2B5EF4-FFF2-40B4-BE49-F238E27FC236}">
+                <a16:creationId xmlns:a16="http://schemas.microsoft.com/office/drawing/2014/main" id="{0330E132-5A2A-417C-551F-0BD9EF387683}"/>
+              </a:ext>
+            </a:extLst>
+          </p:cNvPr>
+          <p:cNvPicPr>
+            <a:picLocks noChangeAspect="1"/>
+          </p:cNvPicPr>
+          <p:nvPr/>
+        </p:nvPicPr>
+        <p:blipFill>
+          <a:blip r:embed="rId2"/>
+          <a:stretch>
+            <a:fillRect/>
+          </a:stretch>
+        </p:blipFill>
+        <p:spPr>
+          <a:xfrm>
+            <a:off x="8256574" y="1795462"/>
+            <a:ext cx="3956716" cy="2725737"/>
+          </a:xfrm>
+          <a:prstGeom prst="rect">
+            <a:avLst/>
+          </a:prstGeom>
+        </p:spPr>
+      </p:pic>
     </p:spTree>
     <p:extLst>
       <p:ext uri="{BB962C8B-B14F-4D97-AF65-F5344CB8AC3E}">
@@ -5901,6 +6019,81 @@
   <p:clrMapOvr>
     <a:masterClrMapping/>
   </p:clrMapOvr>
+  <p:timing>
+    <p:tnLst>
+      <p:par>
+        <p:cTn id="1" dur="indefinite" restart="never" nodeType="tmRoot">
+          <p:childTnLst>
+            <p:seq concurrent="1" nextAc="seek">
+              <p:cTn id="2" dur="indefinite" nodeType="mainSeq">
+                <p:childTnLst>
+                  <p:par>
+                    <p:cTn id="3" fill="hold">
+                      <p:stCondLst>
+                        <p:cond delay="indefinite"/>
+                      </p:stCondLst>
+                      <p:childTnLst>
+                        <p:par>
+                          <p:cTn id="4" fill="hold">
+                            <p:stCondLst>
+                              <p:cond delay="0"/>
+                            </p:stCondLst>
+                            <p:childTnLst>
+                              <p:par>
+                                <p:cTn id="5" presetID="1" presetClass="entr" presetSubtype="0" fill="hold" nodeType="clickEffect">
+                                  <p:stCondLst>
+                                    <p:cond delay="0"/>
+                                  </p:stCondLst>
+                                  <p:childTnLst>
+                                    <p:set>
+                                      <p:cBhvr>
+                                        <p:cTn id="6" dur="1" fill="hold">
+                                          <p:stCondLst>
+                                            <p:cond delay="0"/>
+                                          </p:stCondLst>
+                                        </p:cTn>
+                                        <p:tgtEl>
+                                          <p:spTgt spid="7"/>
+                                        </p:tgtEl>
+                                        <p:attrNameLst>
+                                          <p:attrName>style.visibility</p:attrName>
+                                        </p:attrNameLst>
+                                      </p:cBhvr>
+                                      <p:to>
+                                        <p:strVal val="visible"/>
+                                      </p:to>
+                                    </p:set>
+                                  </p:childTnLst>
+                                </p:cTn>
+                              </p:par>
+                            </p:childTnLst>
+                          </p:cTn>
+                        </p:par>
+                      </p:childTnLst>
+                    </p:cTn>
+                  </p:par>
+                </p:childTnLst>
+              </p:cTn>
+              <p:prevCondLst>
+                <p:cond evt="onPrev" delay="0">
+                  <p:tgtEl>
+                    <p:sldTgt/>
+                  </p:tgtEl>
+                </p:cond>
+              </p:prevCondLst>
+              <p:nextCondLst>
+                <p:cond evt="onNext" delay="0">
+                  <p:tgtEl>
+                    <p:sldTgt/>
+                  </p:tgtEl>
+                </p:cond>
+              </p:nextCondLst>
+            </p:seq>
+          </p:childTnLst>
+        </p:cTn>
+      </p:par>
+    </p:tnLst>
+  </p:timing>
 </p:sld>
 </file>
 
@@ -6772,13 +6965,21 @@
               <a:defRPr/>
             </a:pPr>
             <a:fld id="{52555C4F-B780-4A45-BAAE-1A390F5A58E9}" type="slidenum">
-              <a:rPr lang="en-US" sz="1867"/>
+              <a:rPr lang="en-US" sz="1867">
+                <a:solidFill>
+                  <a:schemeClr val="tx1"/>
+                </a:solidFill>
+              </a:rPr>
               <a:pPr>
                 <a:defRPr/>
               </a:pPr>
               <a:t>12</a:t>
             </a:fld>
-            <a:endParaRPr lang="en-US" sz="1867"/>
+            <a:endParaRPr lang="en-US" sz="1867" dirty="0">
+              <a:solidFill>
+                <a:schemeClr val="tx1"/>
+              </a:solidFill>
+            </a:endParaRPr>
           </a:p>
         </p:txBody>
       </p:sp>
@@ -7003,15 +7204,7 @@
             </a:pPr>
             <a:r>
               <a:rPr lang="en-US" sz="2400" dirty="0"/>
-              <a:t>Request more memory </a:t>
-            </a:r>
-            <a:r>
-              <a:rPr lang="en-US" sz="2400" dirty="0" err="1"/>
-              <a:t>atleast</a:t>
-            </a:r>
-            <a:r>
-              <a:rPr lang="en-US" sz="2400" dirty="0"/>
-              <a:t> </a:t>
+              <a:t>Request more memory than </a:t>
             </a:r>
             <a:r>
               <a:rPr lang="en-US" sz="2400" i="1" dirty="0">
@@ -8003,7 +8196,7 @@
 </file>
 
 <file path=ppt/slides/slide14.xml><?xml version="1.0" encoding="utf-8"?>
-<p:sld xmlns:a="http://schemas.openxmlformats.org/drawingml/2006/main" xmlns:r="http://schemas.openxmlformats.org/officeDocument/2006/relationships" xmlns:p="http://schemas.openxmlformats.org/presentationml/2006/main" show="0">
+<p:sld xmlns:a="http://schemas.openxmlformats.org/drawingml/2006/main" xmlns:r="http://schemas.openxmlformats.org/officeDocument/2006/relationships" xmlns:p="http://schemas.openxmlformats.org/presentationml/2006/main">
   <p:cSld>
     <p:spTree>
       <p:nvGrpSpPr>
@@ -8021,7 +8214,7 @@
       </p:grpSpPr>
       <p:sp>
         <p:nvSpPr>
-          <p:cNvPr id="283" name="Failed to initialize user log to /path or /dev/null…"/>
+          <p:cNvPr id="287" name="If the situation can be fixed while job is held (e.g., you forgot to create directory for output):…"/>
           <p:cNvSpPr txBox="1">
             <a:spLocks noGrp="1"/>
           </p:cNvSpPr>
@@ -8032,7 +8225,7 @@
         <p:spPr>
           <a:xfrm>
             <a:off x="838200" y="1325563"/>
-            <a:ext cx="10515600" cy="4759325"/>
+            <a:ext cx="10515600" cy="4351339"/>
           </a:xfrm>
           <a:prstGeom prst="rect">
             <a:avLst/>
@@ -8040,424 +8233,300 @@
         </p:spPr>
         <p:txBody>
           <a:bodyPr>
-            <a:normAutofit fontScale="25000" lnSpcReduction="20000"/>
+            <a:normAutofit/>
           </a:bodyPr>
           <a:lstStyle/>
           <a:p>
-            <a:pPr marL="0" indent="0" defTabSz="361464">
-              <a:buNone/>
-              <a:defRPr sz="3696">
-                <a:solidFill>
-                  <a:srgbClr val="FF6600"/>
+            <a:pPr marL="562694" indent="-562694">
+              <a:buAutoNum type="arabicPeriod"/>
+            </a:pPr>
+            <a:r>
+              <a:rPr sz="3600" dirty="0"/>
+              <a:t>If the situation can be fixed while job is held (e.g., you forgot to create directory for output):</a:t>
+            </a:r>
+          </a:p>
+          <a:p>
+            <a:pPr marL="1015975" lvl="1" indent="-507987">
+              <a:buAutoNum type="alphaLcPeriod"/>
+            </a:pPr>
+            <a:r>
+              <a:rPr dirty="0"/>
+              <a:t>Fix the situation</a:t>
+            </a:r>
+            <a:r>
+              <a:rPr lang="en-US" dirty="0"/>
+              <a:t>:    </a:t>
+            </a:r>
+            <a:r>
+              <a:rPr lang="en-US" b="1" dirty="0" err="1">
+                <a:solidFill>
+                  <a:schemeClr val="accent2">
+                    <a:lumMod val="75000"/>
+                  </a:schemeClr>
+                </a:solidFill>
+                <a:latin typeface="Menlo" panose="020B0609030804020204" pitchFamily="49" charset="0"/>
+                <a:ea typeface="Menlo" panose="020B0609030804020204" pitchFamily="49" charset="0"/>
+                <a:cs typeface="Menlo" panose="020B0609030804020204" pitchFamily="49" charset="0"/>
+              </a:rPr>
+              <a:t>condor_qedit</a:t>
+            </a:r>
+            <a:endParaRPr b="1" dirty="0">
+              <a:solidFill>
+                <a:schemeClr val="accent2">
+                  <a:lumMod val="75000"/>
+                </a:schemeClr>
+              </a:solidFill>
+              <a:latin typeface="Menlo" panose="020B0609030804020204" pitchFamily="49" charset="0"/>
+              <a:ea typeface="Menlo" panose="020B0609030804020204" pitchFamily="49" charset="0"/>
+              <a:cs typeface="Menlo" panose="020B0609030804020204" pitchFamily="49" charset="0"/>
+            </a:endParaRPr>
+          </a:p>
+          <a:p>
+            <a:pPr marL="1015975" lvl="1" indent="-507987">
+              <a:buAutoNum type="alphaLcPeriod"/>
+            </a:pPr>
+            <a:r>
+              <a:rPr dirty="0"/>
+              <a:t>Release the job(s): </a:t>
+            </a:r>
+            <a:r>
+              <a:rPr b="1" dirty="0" err="1">
+                <a:solidFill>
+                  <a:schemeClr val="accent2">
+                    <a:lumMod val="75000"/>
+                  </a:schemeClr>
                 </a:solidFill>
                 <a:latin typeface="Menlo Regular"/>
                 <a:ea typeface="Menlo Regular"/>
                 <a:cs typeface="Menlo Regular"/>
                 <a:sym typeface="Menlo Regular"/>
-              </a:defRPr>
-            </a:pPr>
-            <a:r>
-              <a:rPr sz="9600" dirty="0"/>
-              <a:t>Failed to initialize user log to </a:t>
-            </a:r>
-            <a:r>
-              <a:rPr sz="9600" b="1" i="1" dirty="0">
-                <a:solidFill>
-                  <a:schemeClr val="accent1"/>
-                </a:solidFill>
-              </a:rPr>
-              <a:t>/path</a:t>
-            </a:r>
-            <a:r>
-              <a:rPr sz="9600" dirty="0"/>
-              <a:t> or /dev/null</a:t>
-            </a:r>
-          </a:p>
-          <a:p>
-            <a:pPr marL="670543" lvl="1" indent="-335272" defTabSz="361464">
-              <a:spcBef>
-                <a:spcPts val="851"/>
-              </a:spcBef>
-              <a:buSzPct val="150000"/>
-              <a:buChar char="‣"/>
-              <a:defRPr sz="5720"/>
-            </a:pPr>
-            <a:r>
-              <a:rPr sz="8266" dirty="0"/>
-              <a:t>Could not create log file, check</a:t>
-            </a:r>
-            <a:r>
-              <a:rPr sz="8266" dirty="0">
-                <a:latin typeface="Menlo" panose="020B0609030804020204" pitchFamily="49" charset="0"/>
-                <a:ea typeface="Menlo" panose="020B0609030804020204" pitchFamily="49" charset="0"/>
-                <a:cs typeface="Menlo" panose="020B0609030804020204" pitchFamily="49" charset="0"/>
-              </a:rPr>
-              <a:t> </a:t>
-            </a:r>
-            <a:r>
-              <a:rPr sz="8266" b="1" i="1" dirty="0">
-                <a:solidFill>
-                  <a:schemeClr val="accent1"/>
-                </a:solidFill>
-                <a:latin typeface="Menlo" panose="020B0609030804020204" pitchFamily="49" charset="0"/>
-                <a:ea typeface="Menlo" panose="020B0609030804020204" pitchFamily="49" charset="0"/>
-                <a:cs typeface="Menlo" panose="020B0609030804020204" pitchFamily="49" charset="0"/>
-                <a:sym typeface="Menlo Regular"/>
-              </a:rPr>
-              <a:t>/path</a:t>
-            </a:r>
-            <a:r>
-              <a:rPr sz="8266" dirty="0">
-                <a:latin typeface="Menlo" panose="020B0609030804020204" pitchFamily="49" charset="0"/>
-                <a:ea typeface="Menlo" panose="020B0609030804020204" pitchFamily="49" charset="0"/>
-                <a:cs typeface="Menlo" panose="020B0609030804020204" pitchFamily="49" charset="0"/>
-              </a:rPr>
-              <a:t> </a:t>
-            </a:r>
-            <a:r>
-              <a:rPr sz="8266" dirty="0"/>
-              <a:t>carefully</a:t>
-            </a:r>
-          </a:p>
-          <a:p>
-            <a:pPr marL="0" indent="0">
-              <a:buNone/>
-            </a:pPr>
-            <a:r>
-              <a:rPr sz="9600" dirty="0">
-                <a:solidFill>
-                  <a:srgbClr val="FF6600"/>
+              </a:rPr>
+              <a:t>condor_release</a:t>
+            </a:r>
+            <a:r>
+              <a:rPr b="1" dirty="0">
+                <a:solidFill>
+                  <a:schemeClr val="accent2">
+                    <a:lumMod val="75000"/>
+                  </a:schemeClr>
                 </a:solidFill>
                 <a:latin typeface="Menlo Regular"/>
                 <a:ea typeface="Menlo Regular"/>
                 <a:cs typeface="Menlo Regular"/>
-              </a:rPr>
-              <a:t>Error from …:</a:t>
-            </a:r>
-            <a:r>
-              <a:rPr sz="9600" dirty="0"/>
+                <a:sym typeface="Menlo Regular"/>
+              </a:rPr>
               <a:t> </a:t>
             </a:r>
             <a:r>
-              <a:rPr lang="en-US" sz="9600" dirty="0">
-                <a:solidFill>
-                  <a:srgbClr val="FF6600"/>
+              <a:rPr b="1" i="1" dirty="0">
+                <a:solidFill>
+                  <a:schemeClr val="accent2">
+                    <a:lumMod val="75000"/>
+                  </a:schemeClr>
                 </a:solidFill>
                 <a:latin typeface="Menlo Regular"/>
                 <a:ea typeface="Menlo Regular"/>
                 <a:cs typeface="Menlo Regular"/>
-              </a:rPr>
-              <a:t>memory usage exceeded </a:t>
-            </a:r>
-            <a:r>
-              <a:rPr lang="en-US" sz="9600" dirty="0" err="1">
-                <a:solidFill>
-                  <a:srgbClr val="FF6600"/>
-                </a:solidFill>
-                <a:latin typeface="Menlo Regular"/>
-                <a:ea typeface="Menlo Regular"/>
-                <a:cs typeface="Menlo Regular"/>
-              </a:rPr>
-              <a:t>request_memory</a:t>
-            </a:r>
-            <a:endParaRPr lang="en-US" sz="9600" dirty="0">
+                <a:sym typeface="Menlo Regular"/>
+              </a:rPr>
+              <a:t>JOB_IDs</a:t>
+            </a:r>
+            <a:endParaRPr lang="en-US" b="1" i="1" dirty="0">
               <a:solidFill>
-                <a:srgbClr val="FF6600"/>
+                <a:schemeClr val="accent2">
+                  <a:lumMod val="75000"/>
+                </a:schemeClr>
               </a:solidFill>
               <a:latin typeface="Menlo Regular"/>
               <a:ea typeface="Menlo Regular"/>
               <a:cs typeface="Menlo Regular"/>
+              <a:sym typeface="Menlo Regular"/>
             </a:endParaRPr>
           </a:p>
           <a:p>
-            <a:pPr marL="670543" lvl="1" indent="-335272" defTabSz="361464">
-              <a:spcBef>
-                <a:spcPts val="851"/>
-              </a:spcBef>
-              <a:buSzPct val="150000"/>
-              <a:buChar char="‣"/>
-              <a:defRPr sz="5720"/>
-            </a:pPr>
-            <a:r>
-              <a:rPr sz="8300" dirty="0"/>
-              <a:t>Job </a:t>
-            </a:r>
-            <a:r>
-              <a:rPr sz="8266" dirty="0"/>
-              <a:t>used too much memory</a:t>
-            </a:r>
-          </a:p>
-          <a:p>
-            <a:pPr marL="670543" lvl="1" indent="-335272" defTabSz="361464">
-              <a:buSzPct val="150000"/>
-              <a:buChar char="‣"/>
-              <a:defRPr sz="5720"/>
-            </a:pPr>
-            <a:r>
-              <a:rPr sz="8266" dirty="0"/>
-              <a:t>Request more megabytes!</a:t>
-            </a:r>
-          </a:p>
-          <a:p>
-            <a:pPr marL="0" indent="0">
+            <a:pPr marL="3251119" lvl="7" indent="0">
               <a:buNone/>
             </a:pPr>
             <a:r>
-              <a:rPr lang="en-US" sz="9600" i="1" dirty="0">
-                <a:solidFill>
-                  <a:srgbClr val="FF6600"/>
-                </a:solidFill>
-                <a:latin typeface="Menlo Regular"/>
-                <a:ea typeface="Menlo Regular"/>
-                <a:cs typeface="Menlo Regular"/>
-              </a:rPr>
-              <a:t>Transfer input files failure at </a:t>
-            </a:r>
-            <a:r>
-              <a:rPr lang="en-US" sz="9600" b="1" i="1" dirty="0">
-                <a:solidFill>
-                  <a:srgbClr val="FF6600"/>
-                </a:solidFill>
-                <a:latin typeface="Menlo Regular"/>
-                <a:ea typeface="Menlo Regular"/>
-                <a:cs typeface="Menlo Regular"/>
-              </a:rPr>
-              <a:t>access point ap40 </a:t>
-            </a:r>
-            <a:r>
-              <a:rPr lang="en-US" sz="9600" i="1" dirty="0">
-                <a:solidFill>
-                  <a:srgbClr val="FF6600"/>
-                </a:solidFill>
-                <a:latin typeface="Menlo Regular"/>
-                <a:ea typeface="Menlo Regular"/>
-                <a:cs typeface="Menlo Regular"/>
-              </a:rPr>
-              <a:t>while sending files to the execution point. Details: reading from file </a:t>
-            </a:r>
-            <a:r>
-              <a:rPr lang="en-US" sz="8400" b="1" i="1" dirty="0">
-                <a:solidFill>
-                  <a:schemeClr val="accent1"/>
-                </a:solidFill>
-                <a:latin typeface="Menlo" panose="020B0609030804020204" pitchFamily="49" charset="0"/>
-                <a:ea typeface="Menlo" panose="020B0609030804020204" pitchFamily="49" charset="0"/>
-                <a:cs typeface="Menlo" panose="020B0609030804020204" pitchFamily="49" charset="0"/>
-              </a:rPr>
-              <a:t>/path</a:t>
-            </a:r>
-            <a:r>
-              <a:rPr lang="en-US" sz="9600" i="1" dirty="0">
-                <a:solidFill>
-                  <a:srgbClr val="FF6600"/>
-                </a:solidFill>
-                <a:latin typeface="Menlo Regular"/>
-                <a:ea typeface="Menlo Regular"/>
-                <a:cs typeface="Menlo Regular"/>
-              </a:rPr>
-              <a:t>: (</a:t>
-            </a:r>
-            <a:r>
-              <a:rPr lang="en-US" sz="9600" i="1" dirty="0" err="1">
-                <a:solidFill>
-                  <a:srgbClr val="FF6600"/>
-                </a:solidFill>
-                <a:latin typeface="Menlo Regular"/>
-                <a:ea typeface="Menlo Regular"/>
-                <a:cs typeface="Menlo Regular"/>
-              </a:rPr>
-              <a:t>errno</a:t>
-            </a:r>
-            <a:r>
-              <a:rPr lang="en-US" sz="9600" i="1" dirty="0">
-                <a:solidFill>
-                  <a:srgbClr val="FF6600"/>
-                </a:solidFill>
-                <a:latin typeface="Menlo Regular"/>
-                <a:ea typeface="Menlo Regular"/>
-                <a:cs typeface="Menlo Regular"/>
-              </a:rPr>
-              <a:t> 2) No such file or directory</a:t>
-            </a:r>
-            <a:endParaRPr lang="en-US" sz="9600" dirty="0"/>
-          </a:p>
-          <a:p>
-            <a:pPr marL="670543" lvl="1" indent="-335272" defTabSz="361464">
-              <a:spcBef>
-                <a:spcPts val="851"/>
-              </a:spcBef>
-              <a:buSzPct val="150000"/>
-              <a:buChar char="‣"/>
-              <a:defRPr sz="5720"/>
-            </a:pPr>
-            <a:r>
-              <a:rPr lang="en-US" sz="8266" dirty="0"/>
-              <a:t>Job can not find the files in </a:t>
-            </a:r>
-            <a:r>
-              <a:rPr lang="en-US" sz="8266" b="1" i="1" dirty="0">
-                <a:solidFill>
-                  <a:schemeClr val="accent1"/>
-                </a:solidFill>
-                <a:latin typeface="Menlo" panose="020B0609030804020204" pitchFamily="49" charset="0"/>
-                <a:ea typeface="Menlo" panose="020B0609030804020204" pitchFamily="49" charset="0"/>
-                <a:cs typeface="Menlo" panose="020B0609030804020204" pitchFamily="49" charset="0"/>
-                <a:sym typeface="Menlo Regular"/>
-              </a:rPr>
-              <a:t>/path </a:t>
-            </a:r>
-            <a:r>
-              <a:rPr lang="en-US" sz="8266" i="1" dirty="0">
-                <a:sym typeface="Menlo Regular"/>
-              </a:rPr>
-              <a:t>to transfer to execute point</a:t>
-            </a:r>
-            <a:endParaRPr lang="en-US" sz="6500" i="1" dirty="0"/>
-          </a:p>
-          <a:p>
-            <a:pPr marL="0" indent="0" defTabSz="271105">
-              <a:spcBef>
-                <a:spcPts val="638"/>
-              </a:spcBef>
-              <a:buNone/>
-              <a:defRPr sz="3696">
-                <a:solidFill>
-                  <a:srgbClr val="FF6600"/>
+              <a:rPr lang="en-US" sz="2400" b="1" dirty="0">
+                <a:solidFill>
+                  <a:schemeClr val="accent2">
+                    <a:lumMod val="75000"/>
+                  </a:schemeClr>
                 </a:solidFill>
                 <a:latin typeface="Menlo Regular"/>
                 <a:ea typeface="Menlo Regular"/>
                 <a:cs typeface="Menlo Regular"/>
                 <a:sym typeface="Menlo Regular"/>
-              </a:defRPr>
-            </a:pPr>
-            <a:r>
-              <a:rPr lang="en-US" sz="9600" dirty="0"/>
-              <a:t>Error from …: STARTER at … failed to send file(s) to &lt;…&gt;: error reading from </a:t>
-            </a:r>
-            <a:r>
-              <a:rPr lang="en-US" sz="9600" b="1" i="1" dirty="0">
-                <a:solidFill>
-                  <a:schemeClr val="accent1"/>
-                </a:solidFill>
-              </a:rPr>
-              <a:t>/path</a:t>
-            </a:r>
-            <a:r>
-              <a:rPr lang="en-US" sz="9600" dirty="0"/>
-              <a:t>: (</a:t>
-            </a:r>
-            <a:r>
-              <a:rPr lang="en-US" sz="9600" dirty="0" err="1"/>
-              <a:t>errno</a:t>
-            </a:r>
-            <a:r>
-              <a:rPr lang="en-US" sz="9600" dirty="0"/>
-              <a:t> 2) No such file or directory; SHADOW failed to receive file(s) from &lt;…&gt;</a:t>
-            </a:r>
-          </a:p>
-          <a:p>
-            <a:pPr marL="670543" lvl="1" indent="-335272" defTabSz="361464">
-              <a:spcBef>
-                <a:spcPts val="851"/>
-              </a:spcBef>
-              <a:buSzPct val="150000"/>
-              <a:buChar char="‣"/>
-              <a:defRPr sz="5720"/>
-            </a:pPr>
-            <a:r>
-              <a:rPr sz="8266" dirty="0"/>
-              <a:t>Job specified </a:t>
-            </a:r>
-            <a:r>
-              <a:rPr sz="8266" b="1" dirty="0" err="1">
+              </a:rPr>
+              <a:t>     </a:t>
+            </a:r>
+            <a:r>
+              <a:rPr lang="en-US" sz="2400" b="1" dirty="0" err="1">
+                <a:solidFill>
+                  <a:schemeClr val="accent2">
+                    <a:lumMod val="75000"/>
+                  </a:schemeClr>
+                </a:solidFill>
                 <a:latin typeface="Menlo Regular"/>
                 <a:ea typeface="Menlo Regular"/>
                 <a:cs typeface="Menlo Regular"/>
                 <a:sym typeface="Menlo Regular"/>
               </a:rPr>
-              <a:t>transfer_output_files</a:t>
-            </a:r>
-            <a:r>
-              <a:rPr lang="en-US" sz="8266" b="1" dirty="0">
+              <a:t>condor_release</a:t>
+            </a:r>
+            <a:r>
+              <a:rPr lang="en-US" sz="2400" b="1" dirty="0">
+                <a:solidFill>
+                  <a:schemeClr val="accent2">
+                    <a:lumMod val="75000"/>
+                  </a:schemeClr>
+                </a:solidFill>
                 <a:latin typeface="Menlo Regular"/>
                 <a:ea typeface="Menlo Regular"/>
                 <a:cs typeface="Menlo Regular"/>
                 <a:sym typeface="Menlo Regular"/>
               </a:rPr>
+              <a:t> &lt;username&gt;</a:t>
+            </a:r>
+            <a:endParaRPr sz="2400" b="1" i="1" dirty="0">
+              <a:solidFill>
+                <a:schemeClr val="accent2">
+                  <a:lumMod val="75000"/>
+                </a:schemeClr>
+              </a:solidFill>
+              <a:latin typeface="Menlo Regular"/>
+              <a:ea typeface="Menlo Regular"/>
+              <a:cs typeface="Menlo Regular"/>
+              <a:sym typeface="Menlo Regular"/>
+            </a:endParaRPr>
+          </a:p>
+          <a:p>
+            <a:pPr marL="562694" indent="-562694">
+              <a:spcBef>
+                <a:spcPts val="2000"/>
+              </a:spcBef>
+              <a:buAutoNum type="arabicPeriod"/>
+            </a:pPr>
+            <a:r>
+              <a:rPr sz="3600" dirty="0"/>
+              <a:t>Otherwise (and this is common):</a:t>
+            </a:r>
+          </a:p>
+          <a:p>
+            <a:pPr marL="1015975" lvl="1" indent="-507987">
+              <a:buAutoNum type="alphaLcPeriod"/>
+            </a:pPr>
+            <a:r>
+              <a:rPr dirty="0"/>
+              <a:t>Remove the held jobs: </a:t>
+            </a:r>
+            <a:r>
+              <a:rPr b="1" dirty="0" err="1">
+                <a:solidFill>
+                  <a:schemeClr val="accent2">
+                    <a:lumMod val="75000"/>
+                  </a:schemeClr>
+                </a:solidFill>
+                <a:latin typeface="Menlo Regular"/>
+                <a:ea typeface="Menlo Regular"/>
+                <a:cs typeface="Menlo Regular"/>
+                <a:sym typeface="Menlo Regular"/>
+              </a:rPr>
+              <a:t>condor_rm</a:t>
+            </a:r>
+            <a:r>
+              <a:rPr b="1" dirty="0">
+                <a:solidFill>
+                  <a:schemeClr val="accent2">
+                    <a:lumMod val="75000"/>
+                  </a:schemeClr>
+                </a:solidFill>
+                <a:latin typeface="Menlo Regular"/>
+                <a:ea typeface="Menlo Regular"/>
+                <a:cs typeface="Menlo Regular"/>
+                <a:sym typeface="Menlo Regular"/>
+              </a:rPr>
               <a:t> </a:t>
             </a:r>
             <a:r>
-              <a:rPr lang="en-US" sz="8266" dirty="0">
+              <a:rPr b="1" i="1" dirty="0">
+                <a:solidFill>
+                  <a:schemeClr val="accent2">
+                    <a:lumMod val="75000"/>
+                  </a:schemeClr>
+                </a:solidFill>
+                <a:latin typeface="Menlo Regular"/>
+                <a:ea typeface="Menlo Regular"/>
+                <a:cs typeface="Menlo Regular"/>
                 <a:sym typeface="Menlo Regular"/>
               </a:rPr>
-              <a:t>b</a:t>
-            </a:r>
-            <a:r>
-              <a:rPr sz="8266" dirty="0"/>
-              <a:t>ut </a:t>
-            </a:r>
-            <a:r>
-              <a:rPr sz="8266" b="1" i="1" dirty="0">
-                <a:solidFill>
-                  <a:schemeClr val="accent1"/>
-                </a:solidFill>
-                <a:latin typeface="Menlo" panose="020B0609030804020204" pitchFamily="49" charset="0"/>
-                <a:ea typeface="Menlo" panose="020B0609030804020204" pitchFamily="49" charset="0"/>
-                <a:cs typeface="Menlo" panose="020B0609030804020204" pitchFamily="49" charset="0"/>
-                <a:sym typeface="Menlo Regular"/>
-              </a:rPr>
-              <a:t>/path</a:t>
-            </a:r>
-            <a:r>
-              <a:rPr sz="8266" dirty="0">
-                <a:latin typeface="Menlo" panose="020B0609030804020204" pitchFamily="49" charset="0"/>
-                <a:ea typeface="Menlo" panose="020B0609030804020204" pitchFamily="49" charset="0"/>
-                <a:cs typeface="Menlo" panose="020B0609030804020204" pitchFamily="49" charset="0"/>
-              </a:rPr>
-              <a:t> </a:t>
-            </a:r>
-            <a:r>
-              <a:rPr sz="8266" dirty="0"/>
-              <a:t>on remote server was not found</a:t>
-            </a:r>
-            <a:endParaRPr lang="en-US" sz="8266" dirty="0"/>
-          </a:p>
-          <a:p>
-            <a:pPr marL="670543" lvl="1" indent="-335272" defTabSz="361464">
-              <a:spcBef>
-                <a:spcPts val="851"/>
-              </a:spcBef>
-              <a:buSzPct val="150000"/>
-              <a:buFont typeface="Arial" panose="020B0604020202020204" pitchFamily="34" charset="0"/>
-              <a:buChar char="‣"/>
-              <a:defRPr sz="5720"/>
+              <a:t>JOB_IDs</a:t>
+            </a:r>
+          </a:p>
+          <a:p>
+            <a:pPr marL="1015975" lvl="1" indent="-507987">
+              <a:buAutoNum type="alphaLcPeriod"/>
             </a:pPr>
             <a:r>
-              <a:rPr lang="en-US" sz="8600" dirty="0"/>
-              <a:t>Jargon: </a:t>
-            </a:r>
-            <a:r>
-              <a:rPr lang="en-US" sz="8600" b="1" dirty="0"/>
-              <a:t>SHADOW </a:t>
-            </a:r>
-            <a:r>
-              <a:rPr lang="en-US" sz="8600" dirty="0"/>
-              <a:t>is Access Point, </a:t>
-            </a:r>
-            <a:r>
-              <a:rPr lang="en-US" sz="8600" b="1" dirty="0"/>
-              <a:t>STARTER</a:t>
-            </a:r>
-            <a:r>
-              <a:rPr lang="en-US" sz="8600" dirty="0"/>
-              <a:t> is Execute Point</a:t>
-            </a:r>
-          </a:p>
-        </p:txBody>
-      </p:sp>
-      <p:sp>
-        <p:nvSpPr>
-          <p:cNvPr id="285" name="Slide Number"/>
+              <a:rPr dirty="0"/>
+              <a:t>Fix the problems</a:t>
+            </a:r>
+          </a:p>
+          <a:p>
+            <a:pPr marL="1015975" lvl="1" indent="-507987">
+              <a:buAutoNum type="alphaLcPeriod"/>
+            </a:pPr>
+            <a:r>
+              <a:rPr dirty="0"/>
+              <a:t>Re-submit</a:t>
+            </a:r>
+          </a:p>
+        </p:txBody>
+      </p:sp>
+      <p:sp>
+        <p:nvSpPr>
+          <p:cNvPr id="288" name="What To Do About Held Jobs"/>
+          <p:cNvSpPr txBox="1">
+            <a:spLocks noGrp="1"/>
+          </p:cNvSpPr>
+          <p:nvPr>
+            <p:ph type="title"/>
+          </p:nvPr>
+        </p:nvSpPr>
+        <p:spPr>
+          <a:xfrm>
+            <a:off x="838200" y="0"/>
+            <a:ext cx="9556897" cy="1325563"/>
+          </a:xfrm>
+          <a:prstGeom prst="rect">
+            <a:avLst/>
+          </a:prstGeom>
+        </p:spPr>
+        <p:txBody>
+          <a:bodyPr>
+            <a:normAutofit/>
+          </a:bodyPr>
+          <a:lstStyle/>
+          <a:p>
+            <a:pPr algn="l"/>
+            <a:r>
+              <a:rPr sz="4400" b="0" dirty="0">
+                <a:solidFill>
+                  <a:schemeClr val="tx1"/>
+                </a:solidFill>
+                <a:latin typeface="Helvetica Neue" panose="02000503000000020004" pitchFamily="2" charset="0"/>
+                <a:ea typeface="Helvetica Neue" panose="02000503000000020004" pitchFamily="2" charset="0"/>
+                <a:cs typeface="Helvetica Neue" panose="02000503000000020004" pitchFamily="2" charset="0"/>
+              </a:rPr>
+              <a:t>What To Do About Held Jobs</a:t>
+            </a:r>
+          </a:p>
+        </p:txBody>
+      </p:sp>
+      <p:sp>
+        <p:nvSpPr>
+          <p:cNvPr id="289" name="Slide Number"/>
           <p:cNvSpPr txBox="1">
             <a:spLocks noGrp="1"/>
           </p:cNvSpPr>
@@ -8484,47 +8553,6 @@
               <a:t>14</a:t>
             </a:fld>
             <a:endParaRPr/>
-          </a:p>
-        </p:txBody>
-      </p:sp>
-      <p:sp>
-        <p:nvSpPr>
-          <p:cNvPr id="5" name="Title 1">
-            <a:extLst>
-              <a:ext uri="{FF2B5EF4-FFF2-40B4-BE49-F238E27FC236}">
-                <a16:creationId xmlns:a16="http://schemas.microsoft.com/office/drawing/2014/main" id="{555B3CF3-292C-2BAA-BCEC-253D5B038B6A}"/>
-              </a:ext>
-            </a:extLst>
-          </p:cNvPr>
-          <p:cNvSpPr>
-            <a:spLocks noGrp="1"/>
-          </p:cNvSpPr>
-          <p:nvPr>
-            <p:ph type="title"/>
-          </p:nvPr>
-        </p:nvSpPr>
-        <p:spPr>
-          <a:xfrm>
-            <a:off x="496793" y="0"/>
-            <a:ext cx="10515600" cy="1325563"/>
-          </a:xfrm>
-        </p:spPr>
-        <p:txBody>
-          <a:bodyPr/>
-          <a:lstStyle/>
-          <a:p>
-            <a:pPr algn="l"/>
-            <a:r>
-              <a:rPr lang="en-US" b="0" dirty="0">
-                <a:solidFill>
-                  <a:schemeClr val="tx1"/>
-                </a:solidFill>
-                <a:latin typeface="Helvetica Neue" panose="02000503000000020004" pitchFamily="2" charset="0"/>
-                <a:ea typeface="Helvetica Neue" panose="02000503000000020004" pitchFamily="2" charset="0"/>
-                <a:cs typeface="Helvetica Neue" panose="02000503000000020004" pitchFamily="2" charset="0"/>
-              </a:rPr>
-              <a:t>Example of common hold reasons</a:t>
-            </a:r>
           </a:p>
         </p:txBody>
       </p:sp>
@@ -8556,354 +8584,75 @@
       </p:grpSpPr>
       <p:sp>
         <p:nvSpPr>
-          <p:cNvPr id="287" name="If the situation can be fixed while job is held (e.g., you forgot to create directory for output):…"/>
+          <p:cNvPr id="5" name="Title 1">
+            <a:extLst>
+              <a:ext uri="{FF2B5EF4-FFF2-40B4-BE49-F238E27FC236}">
+                <a16:creationId xmlns:a16="http://schemas.microsoft.com/office/drawing/2014/main" id="{DE3729B7-8572-8A40-E78B-AA706F21757D}"/>
+              </a:ext>
+            </a:extLst>
+          </p:cNvPr>
           <p:cNvSpPr txBox="1">
-            <a:spLocks noGrp="1"/>
+            <a:spLocks/>
           </p:cNvSpPr>
-          <p:nvPr>
-            <p:ph type="body" idx="1"/>
-          </p:nvPr>
+          <p:nvPr/>
         </p:nvSpPr>
         <p:spPr>
           <a:xfrm>
-            <a:off x="838200" y="1325563"/>
-            <a:ext cx="10515600" cy="4351339"/>
+            <a:off x="838200" y="365125"/>
+            <a:ext cx="10515600" cy="1325563"/>
           </a:xfrm>
           <a:prstGeom prst="rect">
             <a:avLst/>
           </a:prstGeom>
         </p:spPr>
         <p:txBody>
-          <a:bodyPr>
+          <a:bodyPr vert="horz" lIns="91440" tIns="45720" rIns="91440" bIns="45720" rtlCol="0" anchor="ctr">
             <a:normAutofit/>
           </a:bodyPr>
-          <a:lstStyle/>
-          <a:p>
-            <a:pPr marL="562694" indent="-562694">
-              <a:buAutoNum type="arabicPeriod"/>
-            </a:pPr>
-            <a:r>
-              <a:rPr sz="3600" dirty="0"/>
-              <a:t>If the situation can be fixed while job is held (e.g., you forgot to create directory for output):</a:t>
-            </a:r>
-          </a:p>
-          <a:p>
-            <a:pPr marL="1015975" lvl="1" indent="-507987">
-              <a:buAutoNum type="alphaLcPeriod"/>
-            </a:pPr>
-            <a:r>
-              <a:rPr dirty="0"/>
-              <a:t>Fix the situation</a:t>
-            </a:r>
-            <a:r>
-              <a:rPr lang="en-US" dirty="0"/>
-              <a:t>:    </a:t>
-            </a:r>
-            <a:r>
-              <a:rPr lang="en-US" b="1" dirty="0" err="1">
-                <a:solidFill>
-                  <a:schemeClr val="accent2">
-                    <a:lumMod val="75000"/>
-                  </a:schemeClr>
-                </a:solidFill>
-                <a:latin typeface="Menlo" panose="020B0609030804020204" pitchFamily="49" charset="0"/>
-                <a:ea typeface="Menlo" panose="020B0609030804020204" pitchFamily="49" charset="0"/>
-                <a:cs typeface="Menlo" panose="020B0609030804020204" pitchFamily="49" charset="0"/>
-              </a:rPr>
-              <a:t>condor_qedit</a:t>
-            </a:r>
-            <a:endParaRPr b="1" dirty="0">
-              <a:solidFill>
-                <a:schemeClr val="accent2">
-                  <a:lumMod val="75000"/>
-                </a:schemeClr>
-              </a:solidFill>
-              <a:latin typeface="Menlo" panose="020B0609030804020204" pitchFamily="49" charset="0"/>
-              <a:ea typeface="Menlo" panose="020B0609030804020204" pitchFamily="49" charset="0"/>
-              <a:cs typeface="Menlo" panose="020B0609030804020204" pitchFamily="49" charset="0"/>
-            </a:endParaRPr>
-          </a:p>
-          <a:p>
-            <a:pPr marL="1015975" lvl="1" indent="-507987">
-              <a:buAutoNum type="alphaLcPeriod"/>
-            </a:pPr>
-            <a:r>
-              <a:rPr dirty="0"/>
-              <a:t>Release the job(s): </a:t>
-            </a:r>
-            <a:r>
-              <a:rPr b="1" dirty="0" err="1">
-                <a:solidFill>
-                  <a:schemeClr val="accent2">
-                    <a:lumMod val="75000"/>
-                  </a:schemeClr>
-                </a:solidFill>
-                <a:latin typeface="Menlo Regular"/>
-                <a:ea typeface="Menlo Regular"/>
-                <a:cs typeface="Menlo Regular"/>
-                <a:sym typeface="Menlo Regular"/>
-              </a:rPr>
-              <a:t>condor_release</a:t>
-            </a:r>
-            <a:r>
-              <a:rPr b="1" dirty="0">
-                <a:solidFill>
-                  <a:schemeClr val="accent2">
-                    <a:lumMod val="75000"/>
-                  </a:schemeClr>
-                </a:solidFill>
-                <a:latin typeface="Menlo Regular"/>
-                <a:ea typeface="Menlo Regular"/>
-                <a:cs typeface="Menlo Regular"/>
-                <a:sym typeface="Menlo Regular"/>
-              </a:rPr>
-              <a:t> </a:t>
-            </a:r>
-            <a:r>
-              <a:rPr b="1" i="1" dirty="0">
-                <a:solidFill>
-                  <a:schemeClr val="accent2">
-                    <a:lumMod val="75000"/>
-                  </a:schemeClr>
-                </a:solidFill>
-                <a:latin typeface="Menlo Regular"/>
-                <a:ea typeface="Menlo Regular"/>
-                <a:cs typeface="Menlo Regular"/>
-                <a:sym typeface="Menlo Regular"/>
-              </a:rPr>
-              <a:t>JOB_IDs</a:t>
-            </a:r>
-            <a:endParaRPr lang="en-US" b="1" i="1" dirty="0">
-              <a:solidFill>
-                <a:schemeClr val="accent2">
-                  <a:lumMod val="75000"/>
-                </a:schemeClr>
-              </a:solidFill>
-              <a:latin typeface="Menlo Regular"/>
-              <a:ea typeface="Menlo Regular"/>
-              <a:cs typeface="Menlo Regular"/>
-              <a:sym typeface="Menlo Regular"/>
-            </a:endParaRPr>
-          </a:p>
-          <a:p>
-            <a:pPr marL="3251119" lvl="7" indent="0">
+          <a:lstStyle>
+            <a:lvl1pPr algn="l" defTabSz="914400" rtl="0" eaLnBrk="1" latinLnBrk="0" hangingPunct="1">
+              <a:lnSpc>
+                <a:spcPct val="90000"/>
+              </a:lnSpc>
+              <a:spcBef>
+                <a:spcPct val="0"/>
+              </a:spcBef>
               <a:buNone/>
-            </a:pPr>
-            <a:r>
-              <a:rPr lang="en-US" sz="2400" b="1" dirty="0">
-                <a:solidFill>
-                  <a:schemeClr val="accent2">
-                    <a:lumMod val="75000"/>
-                  </a:schemeClr>
-                </a:solidFill>
-                <a:latin typeface="Menlo Regular"/>
-                <a:ea typeface="Menlo Regular"/>
-                <a:cs typeface="Menlo Regular"/>
-                <a:sym typeface="Menlo Regular"/>
-              </a:rPr>
-              <a:t>     </a:t>
-            </a:r>
-            <a:r>
-              <a:rPr lang="en-US" sz="2400" b="1" dirty="0" err="1">
-                <a:solidFill>
-                  <a:schemeClr val="accent2">
-                    <a:lumMod val="75000"/>
-                  </a:schemeClr>
-                </a:solidFill>
-                <a:latin typeface="Menlo Regular"/>
-                <a:ea typeface="Menlo Regular"/>
-                <a:cs typeface="Menlo Regular"/>
-                <a:sym typeface="Menlo Regular"/>
-              </a:rPr>
-              <a:t>condor_release</a:t>
-            </a:r>
-            <a:r>
-              <a:rPr lang="en-US" sz="2400" b="1" dirty="0">
-                <a:solidFill>
-                  <a:schemeClr val="accent2">
-                    <a:lumMod val="75000"/>
-                  </a:schemeClr>
-                </a:solidFill>
-                <a:latin typeface="Menlo Regular"/>
-                <a:ea typeface="Menlo Regular"/>
-                <a:cs typeface="Menlo Regular"/>
-                <a:sym typeface="Menlo Regular"/>
-              </a:rPr>
-              <a:t> &lt;username&gt;</a:t>
-            </a:r>
-            <a:endParaRPr sz="2400" b="1" i="1" dirty="0">
-              <a:solidFill>
-                <a:schemeClr val="accent2">
-                  <a:lumMod val="75000"/>
-                </a:schemeClr>
-              </a:solidFill>
-              <a:latin typeface="Menlo Regular"/>
-              <a:ea typeface="Menlo Regular"/>
-              <a:cs typeface="Menlo Regular"/>
-              <a:sym typeface="Menlo Regular"/>
-            </a:endParaRPr>
-          </a:p>
-          <a:p>
-            <a:pPr marL="562694" indent="-562694">
-              <a:spcBef>
-                <a:spcPts val="2000"/>
-              </a:spcBef>
-              <a:buAutoNum type="arabicPeriod"/>
-            </a:pPr>
-            <a:r>
-              <a:rPr sz="3600" dirty="0"/>
-              <a:t>Otherwise (and this is common):</a:t>
-            </a:r>
-          </a:p>
-          <a:p>
-            <a:pPr marL="1015975" lvl="1" indent="-507987">
-              <a:buAutoNum type="alphaLcPeriod"/>
-            </a:pPr>
-            <a:r>
-              <a:rPr dirty="0"/>
-              <a:t>Remove the held jobs: </a:t>
-            </a:r>
-            <a:r>
-              <a:rPr b="1" dirty="0" err="1">
-                <a:solidFill>
-                  <a:schemeClr val="accent2">
-                    <a:lumMod val="75000"/>
-                  </a:schemeClr>
-                </a:solidFill>
-                <a:latin typeface="Menlo Regular"/>
-                <a:ea typeface="Menlo Regular"/>
-                <a:cs typeface="Menlo Regular"/>
-                <a:sym typeface="Menlo Regular"/>
-              </a:rPr>
-              <a:t>condor_rm</a:t>
-            </a:r>
-            <a:r>
-              <a:rPr b="1" dirty="0">
-                <a:solidFill>
-                  <a:schemeClr val="accent2">
-                    <a:lumMod val="75000"/>
-                  </a:schemeClr>
-                </a:solidFill>
-                <a:latin typeface="Menlo Regular"/>
-                <a:ea typeface="Menlo Regular"/>
-                <a:cs typeface="Menlo Regular"/>
-                <a:sym typeface="Menlo Regular"/>
-              </a:rPr>
-              <a:t> </a:t>
-            </a:r>
-            <a:r>
-              <a:rPr b="1" i="1" dirty="0">
-                <a:solidFill>
-                  <a:schemeClr val="accent2">
-                    <a:lumMod val="75000"/>
-                  </a:schemeClr>
-                </a:solidFill>
-                <a:latin typeface="Menlo Regular"/>
-                <a:ea typeface="Menlo Regular"/>
-                <a:cs typeface="Menlo Regular"/>
-                <a:sym typeface="Menlo Regular"/>
-              </a:rPr>
-              <a:t>JOB_IDs</a:t>
-            </a:r>
-          </a:p>
-          <a:p>
-            <a:pPr marL="1015975" lvl="1" indent="-507987">
-              <a:buAutoNum type="alphaLcPeriod"/>
-            </a:pPr>
-            <a:r>
-              <a:rPr dirty="0"/>
-              <a:t>Fix the problems</a:t>
-            </a:r>
-          </a:p>
-          <a:p>
-            <a:pPr marL="1015975" lvl="1" indent="-507987">
-              <a:buAutoNum type="alphaLcPeriod"/>
-            </a:pPr>
-            <a:r>
-              <a:rPr dirty="0"/>
-              <a:t>Re-submit</a:t>
-            </a:r>
-          </a:p>
-        </p:txBody>
-      </p:sp>
-      <p:sp>
-        <p:nvSpPr>
-          <p:cNvPr id="288" name="What To Do About Held Jobs"/>
-          <p:cNvSpPr txBox="1">
-            <a:spLocks noGrp="1"/>
-          </p:cNvSpPr>
-          <p:nvPr>
-            <p:ph type="title"/>
-          </p:nvPr>
-        </p:nvSpPr>
-        <p:spPr>
-          <a:xfrm>
-            <a:off x="838200" y="0"/>
-            <a:ext cx="9556897" cy="1325563"/>
-          </a:xfrm>
-          <a:prstGeom prst="rect">
-            <a:avLst/>
-          </a:prstGeom>
-        </p:spPr>
-        <p:txBody>
-          <a:bodyPr>
-            <a:normAutofit/>
-          </a:bodyPr>
-          <a:lstStyle/>
-          <a:p>
-            <a:pPr algn="l"/>
-            <a:r>
-              <a:rPr sz="4400" b="0" dirty="0">
+              <a:defRPr sz="4400" b="0" i="0" kern="1200">
                 <a:solidFill>
                   <a:schemeClr val="tx1"/>
                 </a:solidFill>
-                <a:latin typeface="Helvetica Neue" panose="02000503000000020004" pitchFamily="2" charset="0"/>
-                <a:ea typeface="Helvetica Neue" panose="02000503000000020004" pitchFamily="2" charset="0"/>
-                <a:cs typeface="Helvetica Neue" panose="02000503000000020004" pitchFamily="2" charset="0"/>
-              </a:rPr>
-              <a:t>What To Do About Held Jobs</a:t>
-            </a:r>
-          </a:p>
-        </p:txBody>
-      </p:sp>
-      <p:sp>
-        <p:nvSpPr>
-          <p:cNvPr id="289" name="Slide Number"/>
-          <p:cNvSpPr txBox="1">
-            <a:spLocks noGrp="1"/>
-          </p:cNvSpPr>
-          <p:nvPr>
-            <p:ph type="sldNum" sz="quarter" idx="2"/>
-          </p:nvPr>
-        </p:nvSpPr>
-        <p:spPr>
-          <a:prstGeom prst="rect">
-            <a:avLst/>
-          </a:prstGeom>
-          <a:extLst>
-            <a:ext uri="{C572A759-6A51-4108-AA02-DFA0A04FC94B}">
-              <ma14:wrappingTextBoxFlag xmlns:ma14="http://schemas.microsoft.com/office/mac/drawingml/2011/main" xmlns:a14="http://schemas.microsoft.com/office/drawing/2010/main" xmlns:m="http://schemas.openxmlformats.org/officeDocument/2006/math" xmlns="" val="1"/>
-            </a:ext>
-          </a:extLst>
-        </p:spPr>
-        <p:txBody>
-          <a:bodyPr/>
-          <a:lstStyle/>
-          <a:p>
-            <a:fld id="{86CB4B4D-7CA3-9044-876B-883B54F8677D}" type="slidenum">
-              <a:rPr/>
-              <a:t>15</a:t>
-            </a:fld>
-            <a:endParaRPr/>
+                <a:latin typeface="Helvetica Neue Light" panose="02000403000000020004" pitchFamily="2" charset="0"/>
+                <a:ea typeface="Helvetica Neue Light" panose="02000403000000020004" pitchFamily="2" charset="0"/>
+                <a:cs typeface="+mj-cs"/>
+              </a:defRPr>
+            </a:lvl1pPr>
+          </a:lstStyle>
+          <a:p>
+            <a:pPr algn="ctr"/>
+            <a:r>
+              <a:rPr lang="en-US" b="1" dirty="0">
+                <a:solidFill>
+                  <a:srgbClr val="002060"/>
+                </a:solidFill>
+                <a:latin typeface="Arial" panose="020B0604020202020204" pitchFamily="34" charset="0"/>
+                <a:cs typeface="Arial" panose="020B0604020202020204" pitchFamily="34" charset="0"/>
+              </a:rPr>
+              <a:t>DEMO </a:t>
+            </a:r>
           </a:p>
         </p:txBody>
       </p:sp>
     </p:spTree>
+    <p:extLst>
+      <p:ext uri="{BB962C8B-B14F-4D97-AF65-F5344CB8AC3E}">
+        <p14:creationId xmlns:p14="http://schemas.microsoft.com/office/powerpoint/2010/main" val="1831875249"/>
+      </p:ext>
+    </p:extLst>
   </p:cSld>
   <p:clrMapOvr>
     <a:masterClrMapping/>
   </p:clrMapOvr>
-  <p:transition spd="med"/>
 </p:sld>
 </file>
 
@@ -8926,69 +8675,76 @@
       </p:grpSpPr>
       <p:sp>
         <p:nvSpPr>
-          <p:cNvPr id="5" name="Title 1">
+          <p:cNvPr id="3" name="Content Placeholder 2">
             <a:extLst>
               <a:ext uri="{FF2B5EF4-FFF2-40B4-BE49-F238E27FC236}">
-                <a16:creationId xmlns:a16="http://schemas.microsoft.com/office/drawing/2014/main" id="{DE3729B7-8572-8A40-E78B-AA706F21757D}"/>
+                <a16:creationId xmlns:a16="http://schemas.microsoft.com/office/drawing/2014/main" id="{184F3EFD-22BF-E521-7BEA-3A1E4E3618DD}"/>
               </a:ext>
             </a:extLst>
           </p:cNvPr>
-          <p:cNvSpPr txBox="1">
-            <a:spLocks/>
+          <p:cNvSpPr>
+            <a:spLocks noGrp="1"/>
           </p:cNvSpPr>
-          <p:nvPr/>
+          <p:nvPr>
+            <p:ph idx="1"/>
+          </p:nvPr>
         </p:nvSpPr>
         <p:spPr>
           <a:xfrm>
-            <a:off x="838200" y="365125"/>
-            <a:ext cx="10515600" cy="1325563"/>
+            <a:off x="838200" y="1343543"/>
+            <a:ext cx="10515600" cy="4170914"/>
           </a:xfrm>
-          <a:prstGeom prst="rect">
-            <a:avLst/>
-          </a:prstGeom>
         </p:spPr>
         <p:txBody>
-          <a:bodyPr vert="horz" lIns="91440" tIns="45720" rIns="91440" bIns="45720" rtlCol="0" anchor="ctr">
+          <a:bodyPr anchor="ctr">
             <a:normAutofit/>
           </a:bodyPr>
-          <a:lstStyle>
-            <a:lvl1pPr algn="l" defTabSz="914400" rtl="0" eaLnBrk="1" latinLnBrk="0" hangingPunct="1">
-              <a:lnSpc>
-                <a:spcPct val="90000"/>
-              </a:lnSpc>
-              <a:spcBef>
-                <a:spcPct val="0"/>
-              </a:spcBef>
+          <a:lstStyle/>
+          <a:p>
+            <a:pPr marL="0" indent="0" algn="ctr">
               <a:buNone/>
-              <a:defRPr sz="4400" b="0" i="0" kern="1200">
-                <a:solidFill>
-                  <a:schemeClr val="tx1"/>
-                </a:solidFill>
-                <a:latin typeface="Helvetica Neue Light" panose="02000403000000020004" pitchFamily="2" charset="0"/>
-                <a:ea typeface="Helvetica Neue Light" panose="02000403000000020004" pitchFamily="2" charset="0"/>
-                <a:cs typeface="+mj-cs"/>
-              </a:defRPr>
-            </a:lvl1pPr>
-          </a:lstStyle>
-          <a:p>
-            <a:pPr algn="ctr"/>
-            <a:r>
-              <a:rPr lang="en-US" b="1" dirty="0">
-                <a:solidFill>
-                  <a:srgbClr val="002060"/>
-                </a:solidFill>
-                <a:latin typeface="Arial" panose="020B0604020202020204" pitchFamily="34" charset="0"/>
-                <a:cs typeface="Arial" panose="020B0604020202020204" pitchFamily="34" charset="0"/>
-              </a:rPr>
-              <a:t>DEMO </a:t>
-            </a:r>
+            </a:pPr>
+            <a:r>
+              <a:rPr lang="en-US" sz="6000" dirty="0"/>
+              <a:t>Common Issues</a:t>
+            </a:r>
+          </a:p>
+        </p:txBody>
+      </p:sp>
+      <p:sp>
+        <p:nvSpPr>
+          <p:cNvPr id="6" name="Slide Number Placeholder 5">
+            <a:extLst>
+              <a:ext uri="{FF2B5EF4-FFF2-40B4-BE49-F238E27FC236}">
+                <a16:creationId xmlns:a16="http://schemas.microsoft.com/office/drawing/2014/main" id="{DFCBE014-DC77-4ADF-5D90-0BBE786D0FA1}"/>
+              </a:ext>
+            </a:extLst>
+          </p:cNvPr>
+          <p:cNvSpPr>
+            <a:spLocks noGrp="1"/>
+          </p:cNvSpPr>
+          <p:nvPr>
+            <p:ph type="sldNum" sz="quarter" idx="12"/>
+          </p:nvPr>
+        </p:nvSpPr>
+        <p:spPr/>
+        <p:txBody>
+          <a:bodyPr/>
+          <a:lstStyle/>
+          <a:p>
+            <a:fld id="{2B14F5D7-EAB0-2941-9771-6B4FE2550C8B}" type="slidenum">
+              <a:rPr lang="en-US" smtClean="0"/>
+              <a:pPr/>
+              <a:t>16</a:t>
+            </a:fld>
+            <a:endParaRPr lang="en-US"/>
           </a:p>
         </p:txBody>
       </p:sp>
     </p:spTree>
     <p:extLst>
       <p:ext uri="{BB962C8B-B14F-4D97-AF65-F5344CB8AC3E}">
-        <p14:creationId xmlns:p14="http://schemas.microsoft.com/office/powerpoint/2010/main" val="1831875249"/>
+        <p14:creationId xmlns:p14="http://schemas.microsoft.com/office/powerpoint/2010/main" val="2431036900"/>
       </p:ext>
     </p:extLst>
   </p:cSld>
@@ -9017,104 +8773,6 @@
       </p:grpSpPr>
       <p:sp>
         <p:nvSpPr>
-          <p:cNvPr id="3" name="Content Placeholder 2">
-            <a:extLst>
-              <a:ext uri="{FF2B5EF4-FFF2-40B4-BE49-F238E27FC236}">
-                <a16:creationId xmlns:a16="http://schemas.microsoft.com/office/drawing/2014/main" id="{184F3EFD-22BF-E521-7BEA-3A1E4E3618DD}"/>
-              </a:ext>
-            </a:extLst>
-          </p:cNvPr>
-          <p:cNvSpPr>
-            <a:spLocks noGrp="1"/>
-          </p:cNvSpPr>
-          <p:nvPr>
-            <p:ph idx="1"/>
-          </p:nvPr>
-        </p:nvSpPr>
-        <p:spPr>
-          <a:xfrm>
-            <a:off x="838200" y="1343543"/>
-            <a:ext cx="10515600" cy="4170914"/>
-          </a:xfrm>
-        </p:spPr>
-        <p:txBody>
-          <a:bodyPr anchor="ctr">
-            <a:normAutofit/>
-          </a:bodyPr>
-          <a:lstStyle/>
-          <a:p>
-            <a:pPr marL="0" indent="0" algn="ctr">
-              <a:buNone/>
-            </a:pPr>
-            <a:r>
-              <a:rPr lang="en-US" sz="6000" dirty="0"/>
-              <a:t>Common Issues</a:t>
-            </a:r>
-          </a:p>
-        </p:txBody>
-      </p:sp>
-      <p:sp>
-        <p:nvSpPr>
-          <p:cNvPr id="6" name="Slide Number Placeholder 5">
-            <a:extLst>
-              <a:ext uri="{FF2B5EF4-FFF2-40B4-BE49-F238E27FC236}">
-                <a16:creationId xmlns:a16="http://schemas.microsoft.com/office/drawing/2014/main" id="{DFCBE014-DC77-4ADF-5D90-0BBE786D0FA1}"/>
-              </a:ext>
-            </a:extLst>
-          </p:cNvPr>
-          <p:cNvSpPr>
-            <a:spLocks noGrp="1"/>
-          </p:cNvSpPr>
-          <p:nvPr>
-            <p:ph type="sldNum" sz="quarter" idx="12"/>
-          </p:nvPr>
-        </p:nvSpPr>
-        <p:spPr/>
-        <p:txBody>
-          <a:bodyPr/>
-          <a:lstStyle/>
-          <a:p>
-            <a:fld id="{2B14F5D7-EAB0-2941-9771-6B4FE2550C8B}" type="slidenum">
-              <a:rPr lang="en-US" smtClean="0"/>
-              <a:pPr/>
-              <a:t>17</a:t>
-            </a:fld>
-            <a:endParaRPr lang="en-US"/>
-          </a:p>
-        </p:txBody>
-      </p:sp>
-    </p:spTree>
-    <p:extLst>
-      <p:ext uri="{BB962C8B-B14F-4D97-AF65-F5344CB8AC3E}">
-        <p14:creationId xmlns:p14="http://schemas.microsoft.com/office/powerpoint/2010/main" val="2431036900"/>
-      </p:ext>
-    </p:extLst>
-  </p:cSld>
-  <p:clrMapOvr>
-    <a:masterClrMapping/>
-  </p:clrMapOvr>
-</p:sld>
-</file>
-
-<file path=ppt/slides/slide18.xml><?xml version="1.0" encoding="utf-8"?>
-<p:sld xmlns:a="http://schemas.openxmlformats.org/drawingml/2006/main" xmlns:r="http://schemas.openxmlformats.org/officeDocument/2006/relationships" xmlns:p="http://schemas.openxmlformats.org/presentationml/2006/main">
-  <p:cSld>
-    <p:spTree>
-      <p:nvGrpSpPr>
-        <p:cNvPr id="1" name=""/>
-        <p:cNvGrpSpPr/>
-        <p:nvPr/>
-      </p:nvGrpSpPr>
-      <p:grpSpPr>
-        <a:xfrm>
-          <a:off x="0" y="0"/>
-          <a:ext cx="0" cy="0"/>
-          <a:chOff x="0" y="0"/>
-          <a:chExt cx="0" cy="0"/>
-        </a:xfrm>
-      </p:grpSpPr>
-      <p:sp>
-        <p:nvSpPr>
           <p:cNvPr id="261" name="Completely failed to submit!…"/>
           <p:cNvSpPr txBox="1">
             <a:spLocks noGrp="1"/>
@@ -9305,7 +8963,7 @@
           <a:lstStyle/>
           <a:p>
             <a:fld id="{86CB4B4D-7CA3-9044-876B-883B54F8677D}" type="slidenum">
-              <a:t>18</a:t>
+              <a:t>17</a:t>
             </a:fld>
             <a:endParaRPr/>
           </a:p>
@@ -9430,6 +9088,376 @@
             <a:r>
               <a:rPr sz="2400" dirty="0"/>
               <a:t>ERROR: Failed to parse command file (line 6).</a:t>
+            </a:r>
+          </a:p>
+        </p:txBody>
+      </p:sp>
+    </p:spTree>
+  </p:cSld>
+  <p:clrMapOvr>
+    <a:masterClrMapping/>
+  </p:clrMapOvr>
+  <p:transition spd="med"/>
+</p:sld>
+</file>
+
+<file path=ppt/slides/slide18.xml><?xml version="1.0" encoding="utf-8"?>
+<p:sld xmlns:a="http://schemas.openxmlformats.org/drawingml/2006/main" xmlns:r="http://schemas.openxmlformats.org/officeDocument/2006/relationships" xmlns:p="http://schemas.openxmlformats.org/presentationml/2006/main">
+  <p:cSld>
+    <p:spTree>
+      <p:nvGrpSpPr>
+        <p:cNvPr id="1" name=""/>
+        <p:cNvGrpSpPr/>
+        <p:nvPr/>
+      </p:nvGrpSpPr>
+      <p:grpSpPr>
+        <a:xfrm>
+          <a:off x="0" y="0"/>
+          <a:ext cx="0" cy="0"/>
+          <a:chOff x="0" y="0"/>
+          <a:chExt cx="0" cy="0"/>
+        </a:xfrm>
+      </p:grpSpPr>
+      <p:sp>
+        <p:nvSpPr>
+          <p:cNvPr id="266" name="Also failed to submit (missing job(s) submitted)…"/>
+          <p:cNvSpPr txBox="1">
+            <a:spLocks noGrp="1"/>
+          </p:cNvSpPr>
+          <p:nvPr>
+            <p:ph type="body" idx="1"/>
+          </p:nvPr>
+        </p:nvSpPr>
+        <p:spPr>
+          <a:xfrm>
+            <a:off x="1219199" y="4351417"/>
+            <a:ext cx="10396695" cy="1833880"/>
+          </a:xfrm>
+          <a:prstGeom prst="rect">
+            <a:avLst/>
+          </a:prstGeom>
+        </p:spPr>
+        <p:txBody>
+          <a:bodyPr>
+            <a:normAutofit/>
+          </a:bodyPr>
+          <a:lstStyle/>
+          <a:p>
+            <a:r>
+              <a:rPr sz="3200" dirty="0"/>
+              <a:t>Also failed to submit (missing </a:t>
+            </a:r>
+            <a:r>
+              <a:rPr sz="3200" dirty="0">
+                <a:solidFill>
+                  <a:srgbClr val="FF6600"/>
+                </a:solidFill>
+                <a:ea typeface="Menlo Regular"/>
+                <a:sym typeface="Menlo Regular"/>
+              </a:rPr>
+              <a:t>job(s) submitted</a:t>
+            </a:r>
+            <a:r>
+              <a:rPr sz="3200" dirty="0"/>
+              <a:t>)</a:t>
+            </a:r>
+          </a:p>
+          <a:p>
+            <a:r>
+              <a:rPr sz="3200" b="1" dirty="0"/>
+              <a:t>Why:</a:t>
+            </a:r>
+            <a:r>
+              <a:rPr sz="3200" dirty="0"/>
+              <a:t> Typos in your submit file (e.g., </a:t>
+            </a:r>
+            <a:r>
+              <a:rPr sz="3200" dirty="0">
+                <a:solidFill>
+                  <a:srgbClr val="FF6600"/>
+                </a:solidFill>
+                <a:ea typeface="Menlo Regular"/>
+                <a:sym typeface="Menlo Regular"/>
+              </a:rPr>
+              <a:t>BG</a:t>
+            </a:r>
+            <a:r>
+              <a:rPr sz="3200" dirty="0"/>
+              <a:t> for </a:t>
+            </a:r>
+            <a:r>
+              <a:rPr sz="3200" dirty="0">
+                <a:solidFill>
+                  <a:srgbClr val="FF6600"/>
+                </a:solidFill>
+                <a:ea typeface="Menlo Regular"/>
+                <a:sym typeface="Menlo Regular"/>
+              </a:rPr>
+              <a:t>GB</a:t>
+            </a:r>
+            <a:r>
+              <a:rPr sz="3200" dirty="0"/>
+              <a:t>)</a:t>
+            </a:r>
+          </a:p>
+          <a:p>
+            <a:r>
+              <a:rPr sz="3200" b="1" dirty="0"/>
+              <a:t>Fix:</a:t>
+            </a:r>
+            <a:r>
+              <a:rPr sz="3200" dirty="0"/>
+              <a:t> Correct typos!</a:t>
+            </a:r>
+          </a:p>
+        </p:txBody>
+      </p:sp>
+      <p:sp>
+        <p:nvSpPr>
+          <p:cNvPr id="267" name="Issue: Typos in Submit File"/>
+          <p:cNvSpPr txBox="1">
+            <a:spLocks noGrp="1"/>
+          </p:cNvSpPr>
+          <p:nvPr>
+            <p:ph type="title"/>
+          </p:nvPr>
+        </p:nvSpPr>
+        <p:spPr>
+          <a:xfrm>
+            <a:off x="809352" y="9921"/>
+            <a:ext cx="9556897" cy="1325563"/>
+          </a:xfrm>
+          <a:prstGeom prst="rect">
+            <a:avLst/>
+          </a:prstGeom>
+        </p:spPr>
+        <p:txBody>
+          <a:bodyPr>
+            <a:normAutofit/>
+          </a:bodyPr>
+          <a:lstStyle/>
+          <a:p>
+            <a:pPr algn="l"/>
+            <a:r>
+              <a:rPr sz="4400" b="0" dirty="0">
+                <a:solidFill>
+                  <a:schemeClr val="tx1"/>
+                </a:solidFill>
+                <a:latin typeface="Helvetica Neue" panose="02000503000000020004" pitchFamily="2" charset="0"/>
+                <a:ea typeface="Helvetica Neue" panose="02000503000000020004" pitchFamily="2" charset="0"/>
+                <a:cs typeface="Helvetica Neue" panose="02000503000000020004" pitchFamily="2" charset="0"/>
+              </a:rPr>
+              <a:t>Issue: Typos in Submit File</a:t>
+            </a:r>
+          </a:p>
+        </p:txBody>
+      </p:sp>
+      <p:sp>
+        <p:nvSpPr>
+          <p:cNvPr id="268" name="Slide Number"/>
+          <p:cNvSpPr txBox="1">
+            <a:spLocks noGrp="1"/>
+          </p:cNvSpPr>
+          <p:nvPr>
+            <p:ph type="sldNum" sz="quarter" idx="2"/>
+          </p:nvPr>
+        </p:nvSpPr>
+        <p:spPr>
+          <a:prstGeom prst="rect">
+            <a:avLst/>
+          </a:prstGeom>
+          <a:extLst>
+            <a:ext uri="{C572A759-6A51-4108-AA02-DFA0A04FC94B}">
+              <ma14:wrappingTextBoxFlag xmlns:ma14="http://schemas.microsoft.com/office/mac/drawingml/2011/main" xmlns:a14="http://schemas.microsoft.com/office/drawing/2010/main" xmlns:m="http://schemas.openxmlformats.org/officeDocument/2006/math" xmlns="" val="1"/>
+            </a:ext>
+          </a:extLst>
+        </p:spPr>
+        <p:txBody>
+          <a:bodyPr/>
+          <a:lstStyle/>
+          <a:p>
+            <a:fld id="{86CB4B4D-7CA3-9044-876B-883B54F8677D}" type="slidenum">
+              <a:t>18</a:t>
+            </a:fld>
+            <a:endParaRPr/>
+          </a:p>
+        </p:txBody>
+      </p:sp>
+      <p:sp>
+        <p:nvSpPr>
+          <p:cNvPr id="269" name="$ condor_submit sleep.sub…"/>
+          <p:cNvSpPr txBox="1"/>
+          <p:nvPr/>
+        </p:nvSpPr>
+        <p:spPr>
+          <a:xfrm>
+            <a:off x="1219200" y="1501775"/>
+            <a:ext cx="9753600" cy="2667333"/>
+          </a:xfrm>
+          <a:prstGeom prst="rect">
+            <a:avLst/>
+          </a:prstGeom>
+          <a:solidFill>
+            <a:srgbClr val="EEEEEE"/>
+          </a:solidFill>
+          <a:ln w="50800">
+            <a:solidFill>
+              <a:srgbClr val="929292"/>
+            </a:solidFill>
+            <a:miter lim="400000"/>
+          </a:ln>
+          <a:extLst>
+            <a:ext uri="{C572A759-6A51-4108-AA02-DFA0A04FC94B}">
+              <ma14:wrappingTextBoxFlag xmlns:ma14="http://schemas.microsoft.com/office/mac/drawingml/2011/main" xmlns:a14="http://schemas.microsoft.com/office/drawing/2010/main" xmlns:m="http://schemas.openxmlformats.org/officeDocument/2006/math" xmlns="" val="1"/>
+            </a:ext>
+          </a:extLst>
+        </p:spPr>
+        <p:txBody>
+          <a:bodyPr lIns="127000" tIns="127000" rIns="127000" bIns="127000">
+            <a:spAutoFit/>
+          </a:bodyPr>
+          <a:lstStyle/>
+          <a:p>
+            <a:pPr algn="l">
+              <a:lnSpc>
+                <a:spcPct val="110000"/>
+              </a:lnSpc>
+              <a:defRPr sz="4800">
+                <a:latin typeface="Menlo Regular"/>
+                <a:ea typeface="Menlo Regular"/>
+                <a:cs typeface="Menlo Regular"/>
+                <a:sym typeface="Menlo Regular"/>
+              </a:defRPr>
+            </a:pPr>
+            <a:r>
+              <a:rPr sz="2400" dirty="0"/>
+              <a:t>$ </a:t>
+            </a:r>
+            <a:r>
+              <a:rPr sz="2400" b="1" dirty="0" err="1"/>
+              <a:t>condor_submit</a:t>
+            </a:r>
+            <a:r>
+              <a:rPr sz="2400" b="1" dirty="0"/>
+              <a:t> </a:t>
+            </a:r>
+            <a:r>
+              <a:rPr sz="2400" b="1" dirty="0" err="1"/>
+              <a:t>sleep.sub</a:t>
+            </a:r>
+            <a:endParaRPr sz="2400" b="1" dirty="0"/>
+          </a:p>
+          <a:p>
+            <a:pPr algn="l">
+              <a:lnSpc>
+                <a:spcPct val="110000"/>
+              </a:lnSpc>
+              <a:defRPr sz="4800">
+                <a:latin typeface="Menlo Regular"/>
+                <a:ea typeface="Menlo Regular"/>
+                <a:cs typeface="Menlo Regular"/>
+                <a:sym typeface="Menlo Regular"/>
+              </a:defRPr>
+            </a:pPr>
+            <a:r>
+              <a:rPr sz="2400" dirty="0"/>
+              <a:t>Submitting job(s)</a:t>
+            </a:r>
+          </a:p>
+          <a:p>
+            <a:pPr algn="l">
+              <a:lnSpc>
+                <a:spcPct val="110000"/>
+              </a:lnSpc>
+              <a:defRPr sz="4800">
+                <a:solidFill>
+                  <a:srgbClr val="FF6600"/>
+                </a:solidFill>
+                <a:latin typeface="Menlo Regular"/>
+                <a:ea typeface="Menlo Regular"/>
+                <a:cs typeface="Menlo Regular"/>
+                <a:sym typeface="Menlo Regular"/>
+              </a:defRPr>
+            </a:pPr>
+            <a:r>
+              <a:rPr sz="2400" dirty="0"/>
+              <a:t>• ERROR: No 'executable' parameter was provided</a:t>
+            </a:r>
+          </a:p>
+          <a:p>
+            <a:pPr algn="l">
+              <a:lnSpc>
+                <a:spcPct val="110000"/>
+              </a:lnSpc>
+              <a:defRPr sz="4800">
+                <a:solidFill>
+                  <a:srgbClr val="FF6600"/>
+                </a:solidFill>
+                <a:latin typeface="Menlo Regular"/>
+                <a:ea typeface="Menlo Regular"/>
+                <a:cs typeface="Menlo Regular"/>
+                <a:sym typeface="Menlo Regular"/>
+              </a:defRPr>
+            </a:pPr>
+            <a:r>
+              <a:rPr sz="2400" dirty="0"/>
+              <a:t>• ERROR: Parse error in expression:</a:t>
+            </a:r>
+          </a:p>
+          <a:p>
+            <a:pPr algn="l">
+              <a:lnSpc>
+                <a:spcPct val="110000"/>
+              </a:lnSpc>
+              <a:defRPr sz="4800">
+                <a:solidFill>
+                  <a:srgbClr val="FF6600"/>
+                </a:solidFill>
+                <a:latin typeface="Menlo Regular"/>
+                <a:ea typeface="Menlo Regular"/>
+                <a:cs typeface="Menlo Regular"/>
+                <a:sym typeface="Menlo Regular"/>
+              </a:defRPr>
+            </a:pPr>
+            <a:r>
+              <a:rPr sz="2400" dirty="0"/>
+              <a:t>         </a:t>
+            </a:r>
+            <a:r>
+              <a:rPr sz="2400" dirty="0" err="1"/>
+              <a:t>RequestMemory</a:t>
+            </a:r>
+            <a:r>
+              <a:rPr sz="2400" dirty="0"/>
+              <a:t> = 1BG</a:t>
+            </a:r>
+          </a:p>
+          <a:p>
+            <a:pPr algn="l">
+              <a:lnSpc>
+                <a:spcPct val="110000"/>
+              </a:lnSpc>
+              <a:defRPr sz="4800">
+                <a:solidFill>
+                  <a:srgbClr val="FF6600"/>
+                </a:solidFill>
+                <a:latin typeface="Menlo Regular"/>
+                <a:ea typeface="Menlo Regular"/>
+                <a:cs typeface="Menlo Regular"/>
+                <a:sym typeface="Menlo Regular"/>
+              </a:defRPr>
+            </a:pPr>
+            <a:r>
+              <a:rPr sz="2400" dirty="0"/>
+              <a:t>• ERROR: Executable file /bin/</a:t>
+            </a:r>
+            <a:r>
+              <a:rPr sz="2400" dirty="0" err="1"/>
+              <a:t>slep</a:t>
+            </a:r>
+            <a:r>
+              <a:rPr sz="2400" dirty="0"/>
+              <a:t> does not exist</a:t>
             </a:r>
           </a:p>
         </p:txBody>
@@ -9462,7 +9490,7 @@
       </p:grpSpPr>
       <p:sp>
         <p:nvSpPr>
-          <p:cNvPr id="266" name="Also failed to submit (missing job(s) submitted)…"/>
+          <p:cNvPr id="271" name="Jobs are idle for a long time – can be hard to judge!"/>
           <p:cNvSpPr txBox="1">
             <a:spLocks noGrp="1"/>
           </p:cNvSpPr>
@@ -9472,8 +9500,8 @@
         </p:nvSpPr>
         <p:spPr>
           <a:xfrm>
-            <a:off x="1219199" y="4351417"/>
-            <a:ext cx="10396695" cy="1833880"/>
+            <a:off x="1219200" y="2396375"/>
+            <a:ext cx="9753600" cy="625079"/>
           </a:xfrm>
           <a:prstGeom prst="rect">
             <a:avLst/>
@@ -9481,82 +9509,149 @@
         </p:spPr>
         <p:txBody>
           <a:bodyPr>
-            <a:normAutofit/>
+            <a:noAutofit/>
           </a:bodyPr>
           <a:lstStyle/>
           <a:p>
-            <a:r>
-              <a:rPr sz="3200" dirty="0"/>
-              <a:t>Also failed to submit (missing </a:t>
-            </a:r>
-            <a:r>
-              <a:rPr sz="3200" dirty="0">
+            <a:pPr marL="0" indent="0">
+              <a:buNone/>
+            </a:pPr>
+            <a:r>
+              <a:rPr sz="1867" dirty="0"/>
+              <a:t>Jobs are </a:t>
+            </a:r>
+            <a:r>
+              <a:rPr sz="1867" dirty="0">
                 <a:solidFill>
                   <a:srgbClr val="FF6600"/>
                 </a:solidFill>
+                <a:latin typeface="Menlo Regular"/>
                 <a:ea typeface="Menlo Regular"/>
+                <a:cs typeface="Menlo Regular"/>
                 <a:sym typeface="Menlo Regular"/>
               </a:rPr>
-              <a:t>job(s) submitted</a:t>
-            </a:r>
-            <a:r>
-              <a:rPr sz="3200" dirty="0"/>
-              <a:t>)</a:t>
-            </a:r>
-          </a:p>
-          <a:p>
-            <a:r>
-              <a:rPr sz="3200" b="1" dirty="0"/>
-              <a:t>Why:</a:t>
-            </a:r>
-            <a:r>
-              <a:rPr sz="3200" dirty="0"/>
-              <a:t> Typos in your submit file (e.g., </a:t>
-            </a:r>
-            <a:r>
-              <a:rPr sz="3200" dirty="0">
-                <a:solidFill>
-                  <a:srgbClr val="FF6600"/>
-                </a:solidFill>
-                <a:ea typeface="Menlo Regular"/>
-                <a:sym typeface="Menlo Regular"/>
-              </a:rPr>
-              <a:t>BG</a:t>
-            </a:r>
-            <a:r>
-              <a:rPr sz="3200" dirty="0"/>
-              <a:t> for </a:t>
-            </a:r>
-            <a:r>
-              <a:rPr sz="3200" dirty="0">
-                <a:solidFill>
-                  <a:srgbClr val="FF6600"/>
-                </a:solidFill>
-                <a:ea typeface="Menlo Regular"/>
-                <a:sym typeface="Menlo Regular"/>
-              </a:rPr>
-              <a:t>GB</a:t>
-            </a:r>
-            <a:r>
-              <a:rPr sz="3200" dirty="0"/>
-              <a:t>)</a:t>
-            </a:r>
-          </a:p>
-          <a:p>
-            <a:r>
-              <a:rPr sz="3200" b="1" dirty="0"/>
-              <a:t>Fix:</a:t>
-            </a:r>
-            <a:r>
-              <a:rPr sz="3200" dirty="0"/>
-              <a:t> Correct typos!</a:t>
-            </a:r>
-          </a:p>
-        </p:txBody>
-      </p:sp>
-      <p:sp>
-        <p:nvSpPr>
-          <p:cNvPr id="267" name="Issue: Typos in Submit File"/>
+              <a:t>idle</a:t>
+            </a:r>
+            <a:r>
+              <a:rPr sz="1867" dirty="0"/>
+              <a:t> for a </a:t>
+            </a:r>
+            <a:r>
+              <a:rPr sz="1867" b="1" dirty="0"/>
+              <a:t>long</a:t>
+            </a:r>
+            <a:r>
+              <a:rPr sz="1867" dirty="0"/>
+              <a:t> time – </a:t>
+            </a:r>
+            <a:r>
+              <a:rPr sz="1867" i="1" dirty="0"/>
+              <a:t>can be hard to judge!</a:t>
+            </a:r>
+            <a:endParaRPr lang="en-US" sz="1867" i="1" dirty="0"/>
+          </a:p>
+          <a:p>
+            <a:pPr marL="0" indent="0">
+              <a:buNone/>
+            </a:pPr>
+            <a:r>
+              <a:rPr lang="en-US" sz="1867" b="1" i="1" dirty="0" err="1">
+                <a:solidFill>
+                  <a:schemeClr val="accent2">
+                    <a:lumMod val="75000"/>
+                  </a:schemeClr>
+                </a:solidFill>
+              </a:rPr>
+              <a:t>condor_q</a:t>
+            </a:r>
+            <a:r>
+              <a:rPr lang="en-US" sz="1867" b="1" i="1" dirty="0">
+                <a:solidFill>
+                  <a:schemeClr val="accent2">
+                    <a:lumMod val="75000"/>
+                  </a:schemeClr>
+                </a:solidFill>
+              </a:rPr>
+              <a:t> -analyze &lt;</a:t>
+            </a:r>
+            <a:r>
+              <a:rPr lang="en-US" sz="1867" b="1" i="1" dirty="0" err="1">
+                <a:solidFill>
+                  <a:schemeClr val="accent2">
+                    <a:lumMod val="75000"/>
+                  </a:schemeClr>
+                </a:solidFill>
+              </a:rPr>
+              <a:t>JobId</a:t>
+            </a:r>
+            <a:r>
+              <a:rPr lang="en-US" sz="1867" b="1" i="1" dirty="0">
+                <a:solidFill>
+                  <a:schemeClr val="accent2">
+                    <a:lumMod val="75000"/>
+                  </a:schemeClr>
+                </a:solidFill>
+              </a:rPr>
+              <a:t>&gt;</a:t>
+            </a:r>
+            <a:endParaRPr lang="en-US" sz="1867" i="1" dirty="0">
+              <a:solidFill>
+                <a:schemeClr val="accent2">
+                  <a:lumMod val="75000"/>
+                </a:schemeClr>
+              </a:solidFill>
+            </a:endParaRPr>
+          </a:p>
+          <a:p>
+            <a:pPr marL="0" indent="0">
+              <a:buNone/>
+            </a:pPr>
+            <a:r>
+              <a:rPr lang="en-US" sz="1867" b="1" i="1" dirty="0" err="1">
+                <a:solidFill>
+                  <a:schemeClr val="accent2">
+                    <a:lumMod val="75000"/>
+                  </a:schemeClr>
+                </a:solidFill>
+              </a:rPr>
+              <a:t>condor_q</a:t>
+            </a:r>
+            <a:r>
+              <a:rPr lang="en-US" sz="1867" b="1" i="1" dirty="0">
+                <a:solidFill>
+                  <a:schemeClr val="accent2">
+                    <a:lumMod val="75000"/>
+                  </a:schemeClr>
+                </a:solidFill>
+              </a:rPr>
+              <a:t> –better-analyze &lt;</a:t>
+            </a:r>
+            <a:r>
+              <a:rPr lang="en-US" sz="1867" b="1" i="1" dirty="0" err="1">
+                <a:solidFill>
+                  <a:schemeClr val="accent2">
+                    <a:lumMod val="75000"/>
+                  </a:schemeClr>
+                </a:solidFill>
+              </a:rPr>
+              <a:t>JobId</a:t>
+            </a:r>
+            <a:r>
+              <a:rPr lang="en-US" sz="1867" b="1" i="1" dirty="0">
+                <a:solidFill>
+                  <a:schemeClr val="accent2">
+                    <a:lumMod val="75000"/>
+                  </a:schemeClr>
+                </a:solidFill>
+              </a:rPr>
+              <a:t>&gt;</a:t>
+            </a:r>
+          </a:p>
+        </p:txBody>
+      </p:sp>
+      <p:sp>
+        <p:nvSpPr>
+          <p:cNvPr id="272" name="Issue: Jobs Idle for a Long Time"/>
           <p:cNvSpPr txBox="1">
             <a:spLocks noGrp="1"/>
           </p:cNvSpPr>
@@ -9566,7 +9661,7 @@
         </p:nvSpPr>
         <p:spPr>
           <a:xfrm>
-            <a:off x="809352" y="9921"/>
+            <a:off x="833736" y="0"/>
             <a:ext cx="9556897" cy="1325563"/>
           </a:xfrm>
           <a:prstGeom prst="rect">
@@ -9581,22 +9676,15 @@
           <a:p>
             <a:pPr algn="l"/>
             <a:r>
-              <a:rPr sz="4400" b="0" dirty="0">
-                <a:solidFill>
-                  <a:schemeClr val="tx1"/>
-                </a:solidFill>
-                <a:latin typeface="Helvetica Neue" panose="02000503000000020004" pitchFamily="2" charset="0"/>
-                <a:ea typeface="Helvetica Neue" panose="02000503000000020004" pitchFamily="2" charset="0"/>
-                <a:cs typeface="Helvetica Neue" panose="02000503000000020004" pitchFamily="2" charset="0"/>
-              </a:rPr>
-              <a:t>Issue: Typos in Submit File</a:t>
-            </a:r>
-          </a:p>
-        </p:txBody>
-      </p:sp>
-      <p:sp>
-        <p:nvSpPr>
-          <p:cNvPr id="268" name="Slide Number"/>
+              <a:rPr sz="4400" b="0" dirty="0"/>
+              <a:t>Issue: Jobs Idle for a Long Time</a:t>
+            </a:r>
+          </a:p>
+        </p:txBody>
+      </p:sp>
+      <p:sp>
+        <p:nvSpPr>
+          <p:cNvPr id="273" name="Slide Number"/>
           <p:cNvSpPr txBox="1">
             <a:spLocks noGrp="1"/>
           </p:cNvSpPr>
@@ -9619,6 +9707,7 @@
           <a:lstStyle/>
           <a:p>
             <a:fld id="{86CB4B4D-7CA3-9044-876B-883B54F8677D}" type="slidenum">
+              <a:rPr/>
               <a:t>19</a:t>
             </a:fld>
             <a:endParaRPr/>
@@ -9627,14 +9716,14 @@
       </p:sp>
       <p:sp>
         <p:nvSpPr>
-          <p:cNvPr id="269" name="$ condor_submit sleep.sub…"/>
+          <p:cNvPr id="274" name="$ condor_q…"/>
           <p:cNvSpPr txBox="1"/>
           <p:nvPr/>
         </p:nvSpPr>
         <p:spPr>
           <a:xfrm>
-            <a:off x="1219200" y="1501775"/>
-            <a:ext cx="9753600" cy="2667333"/>
+            <a:off x="1219200" y="1206095"/>
+            <a:ext cx="9753600" cy="1051185"/>
           </a:xfrm>
           <a:prstGeom prst="rect">
             <a:avLst/>
@@ -9655,7 +9744,7 @@
           </a:extLst>
         </p:spPr>
         <p:txBody>
-          <a:bodyPr lIns="127000" tIns="127000" rIns="127000" bIns="127000">
+          <a:bodyPr wrap="square" lIns="127000" tIns="127000" rIns="127000" bIns="127000">
             <a:spAutoFit/>
           </a:bodyPr>
           <a:lstStyle/>
@@ -9664,7 +9753,7 @@
               <a:lnSpc>
                 <a:spcPct val="110000"/>
               </a:lnSpc>
-              <a:defRPr sz="4800">
+              <a:defRPr sz="4200">
                 <a:latin typeface="Menlo Regular"/>
                 <a:ea typeface="Menlo Regular"/>
                 <a:cs typeface="Menlo Regular"/>
@@ -9672,29 +9761,21 @@
               </a:defRPr>
             </a:pPr>
             <a:r>
-              <a:rPr sz="2400" dirty="0"/>
+              <a:rPr sz="1600" dirty="0"/>
               <a:t>$ </a:t>
             </a:r>
             <a:r>
-              <a:rPr sz="2400" b="1" dirty="0" err="1"/>
-              <a:t>condor_submit</a:t>
-            </a:r>
-            <a:r>
-              <a:rPr sz="2400" b="1" dirty="0"/>
-              <a:t> </a:t>
-            </a:r>
-            <a:r>
-              <a:rPr sz="2400" b="1" dirty="0" err="1"/>
-              <a:t>sleep.sub</a:t>
-            </a:r>
-            <a:endParaRPr sz="2400" b="1" dirty="0"/>
+              <a:rPr sz="1600" b="1" dirty="0" err="1"/>
+              <a:t>condor_q</a:t>
+            </a:r>
+            <a:endParaRPr sz="1600" b="1" dirty="0"/>
           </a:p>
           <a:p>
             <a:pPr algn="l">
               <a:lnSpc>
                 <a:spcPct val="110000"/>
               </a:lnSpc>
-              <a:defRPr sz="4800">
+              <a:defRPr sz="4200">
                 <a:latin typeface="Menlo Regular"/>
                 <a:ea typeface="Menlo Regular"/>
                 <a:cs typeface="Menlo Regular"/>
@@ -9702,8 +9783,20 @@
               </a:defRPr>
             </a:pPr>
             <a:r>
-              <a:rPr sz="2400" dirty="0"/>
-              <a:t>Submitting job(s)</a:t>
+              <a:rPr sz="1600" dirty="0"/>
+              <a:t>OWNER    BATCH_NAME    SUBMITTED   DONE   RUN    </a:t>
+            </a:r>
+            <a:r>
+              <a:rPr sz="1600" dirty="0">
+                <a:solidFill>
+                  <a:srgbClr val="FF6600"/>
+                </a:solidFill>
+              </a:rPr>
+              <a:t>IDLE</a:t>
+            </a:r>
+            <a:r>
+              <a:rPr sz="1600" dirty="0"/>
+              <a:t>  TOTAL JOB_IDS</a:t>
             </a:r>
           </a:p>
           <a:p>
@@ -9711,10 +9804,7 @@
               <a:lnSpc>
                 <a:spcPct val="110000"/>
               </a:lnSpc>
-              <a:defRPr sz="4800">
-                <a:solidFill>
-                  <a:srgbClr val="FF6600"/>
-                </a:solidFill>
+              <a:defRPr sz="4200">
                 <a:latin typeface="Menlo Regular"/>
                 <a:ea typeface="Menlo Regular"/>
                 <a:cs typeface="Menlo Regular"/>
@@ -9722,19 +9812,64 @@
               </a:defRPr>
             </a:pPr>
             <a:r>
-              <a:rPr sz="2400" dirty="0"/>
-              <a:t>• ERROR: No 'executable' parameter was provided</a:t>
-            </a:r>
-          </a:p>
+              <a:rPr sz="1600" dirty="0"/>
+              <a:t>cat      ID: 123456   6/30 12:34      _      _      </a:t>
+            </a:r>
+            <a:r>
+              <a:rPr sz="1600" dirty="0">
+                <a:solidFill>
+                  <a:srgbClr val="FF6600"/>
+                </a:solidFill>
+              </a:rPr>
+              <a:t>1</a:t>
+            </a:r>
+            <a:r>
+              <a:rPr sz="1600" dirty="0"/>
+              <a:t>      1 123456.0</a:t>
+            </a:r>
+          </a:p>
+        </p:txBody>
+      </p:sp>
+      <p:sp>
+        <p:nvSpPr>
+          <p:cNvPr id="275" name="$ condor_q -better-analyze 123456.0…"/>
+          <p:cNvSpPr txBox="1"/>
+          <p:nvPr/>
+        </p:nvSpPr>
+        <p:spPr>
+          <a:xfrm>
+            <a:off x="1219200" y="3539645"/>
+            <a:ext cx="9753600" cy="2405402"/>
+          </a:xfrm>
+          <a:prstGeom prst="rect">
+            <a:avLst/>
+          </a:prstGeom>
+          <a:solidFill>
+            <a:srgbClr val="EEEEEE"/>
+          </a:solidFill>
+          <a:ln w="50800">
+            <a:solidFill>
+              <a:srgbClr val="929292"/>
+            </a:solidFill>
+            <a:miter lim="400000"/>
+          </a:ln>
+          <a:extLst>
+            <a:ext uri="{C572A759-6A51-4108-AA02-DFA0A04FC94B}">
+              <ma14:wrappingTextBoxFlag xmlns:ma14="http://schemas.microsoft.com/office/mac/drawingml/2011/main" xmlns:a14="http://schemas.microsoft.com/office/drawing/2010/main" xmlns:m="http://schemas.openxmlformats.org/officeDocument/2006/math" xmlns="" val="1"/>
+            </a:ext>
+          </a:extLst>
+        </p:spPr>
+        <p:txBody>
+          <a:bodyPr lIns="127000" tIns="127000" rIns="127000" bIns="127000">
+            <a:spAutoFit/>
+          </a:bodyPr>
+          <a:lstStyle/>
           <a:p>
             <a:pPr algn="l">
               <a:lnSpc>
                 <a:spcPct val="110000"/>
               </a:lnSpc>
-              <a:defRPr sz="4800">
-                <a:solidFill>
-                  <a:srgbClr val="FF6600"/>
-                </a:solidFill>
+              <a:defRPr sz="4200">
                 <a:latin typeface="Menlo Regular"/>
                 <a:ea typeface="Menlo Regular"/>
                 <a:cs typeface="Menlo Regular"/>
@@ -9742,8 +9877,16 @@
               </a:defRPr>
             </a:pPr>
             <a:r>
-              <a:rPr sz="2400" dirty="0"/>
-              <a:t>• ERROR: Parse error in expression:</a:t>
+              <a:rPr sz="1600" dirty="0"/>
+              <a:t>$ </a:t>
+            </a:r>
+            <a:r>
+              <a:rPr sz="1600" b="1" dirty="0" err="1"/>
+              <a:t>condor_q</a:t>
+            </a:r>
+            <a:r>
+              <a:rPr sz="1600" b="1" dirty="0"/>
+              <a:t> -better-analyze 123456.0</a:t>
             </a:r>
           </a:p>
           <a:p>
@@ -9751,10 +9894,7 @@
               <a:lnSpc>
                 <a:spcPct val="110000"/>
               </a:lnSpc>
-              <a:defRPr sz="4800">
-                <a:solidFill>
-                  <a:srgbClr val="FF6600"/>
-                </a:solidFill>
+              <a:defRPr sz="4200">
                 <a:latin typeface="Menlo Regular"/>
                 <a:ea typeface="Menlo Regular"/>
                 <a:cs typeface="Menlo Regular"/>
@@ -9762,16 +9902,8 @@
               </a:defRPr>
             </a:pPr>
             <a:r>
-              <a:rPr sz="2400" dirty="0"/>
-              <a:t>         </a:t>
-            </a:r>
-            <a:r>
-              <a:rPr sz="2400" dirty="0" err="1"/>
-              <a:t>RequestMemory</a:t>
-            </a:r>
-            <a:r>
-              <a:rPr sz="2400" dirty="0"/>
-              <a:t> = 1BG</a:t>
+              <a:rPr sz="1600" dirty="0"/>
+              <a:t>...</a:t>
             </a:r>
           </a:p>
           <a:p>
@@ -9779,10 +9911,7 @@
               <a:lnSpc>
                 <a:spcPct val="110000"/>
               </a:lnSpc>
-              <a:defRPr sz="4800">
-                <a:solidFill>
-                  <a:srgbClr val="FF6600"/>
-                </a:solidFill>
+              <a:defRPr sz="4200">
                 <a:latin typeface="Menlo Regular"/>
                 <a:ea typeface="Menlo Regular"/>
                 <a:cs typeface="Menlo Regular"/>
@@ -9790,17 +9919,139 @@
               </a:defRPr>
             </a:pPr>
             <a:r>
-              <a:rPr sz="2400" dirty="0"/>
-              <a:t>• ERROR: Executable file /bin/</a:t>
-            </a:r>
-            <a:r>
-              <a:rPr sz="2400" dirty="0" err="1"/>
-              <a:t>slep</a:t>
-            </a:r>
-            <a:r>
-              <a:rPr sz="2400" dirty="0"/>
-              <a:t> does not exist</a:t>
-            </a:r>
+              <a:rPr sz="1600" dirty="0"/>
+              <a:t>         Slots</a:t>
+            </a:r>
+          </a:p>
+          <a:p>
+            <a:pPr algn="l">
+              <a:lnSpc>
+                <a:spcPct val="110000"/>
+              </a:lnSpc>
+              <a:defRPr sz="4200">
+                <a:latin typeface="Menlo Regular"/>
+                <a:ea typeface="Menlo Regular"/>
+                <a:cs typeface="Menlo Regular"/>
+                <a:sym typeface="Menlo Regular"/>
+              </a:defRPr>
+            </a:pPr>
+            <a:r>
+              <a:rPr sz="1600" dirty="0"/>
+              <a:t>Step    Matched  Condition</a:t>
+            </a:r>
+          </a:p>
+          <a:p>
+            <a:pPr algn="l">
+              <a:lnSpc>
+                <a:spcPct val="110000"/>
+              </a:lnSpc>
+              <a:defRPr sz="4200">
+                <a:latin typeface="Menlo Regular"/>
+                <a:ea typeface="Menlo Regular"/>
+                <a:cs typeface="Menlo Regular"/>
+                <a:sym typeface="Menlo Regular"/>
+              </a:defRPr>
+            </a:pPr>
+            <a:r>
+              <a:rPr sz="1600" dirty="0"/>
+              <a:t>-----  --------  ---------</a:t>
+            </a:r>
+          </a:p>
+          <a:p>
+            <a:pPr algn="l">
+              <a:lnSpc>
+                <a:spcPct val="110000"/>
+              </a:lnSpc>
+              <a:defRPr sz="4200">
+                <a:latin typeface="Menlo Regular"/>
+                <a:ea typeface="Menlo Regular"/>
+                <a:cs typeface="Menlo Regular"/>
+                <a:sym typeface="Menlo Regular"/>
+              </a:defRPr>
+            </a:pPr>
+            <a:r>
+              <a:rPr sz="1600" dirty="0"/>
+              <a:t>[0]       13033  </a:t>
+            </a:r>
+            <a:r>
+              <a:rPr sz="1600" dirty="0" err="1"/>
+              <a:t>TARGET.PoolName</a:t>
+            </a:r>
+            <a:r>
+              <a:rPr sz="1600" dirty="0"/>
+              <a:t> == "</a:t>
+            </a:r>
+            <a:r>
+              <a:rPr lang="en-US" sz="1600" dirty="0" err="1"/>
+              <a:t>OSPool</a:t>
+            </a:r>
+            <a:r>
+              <a:rPr sz="1600" dirty="0"/>
+              <a:t>"</a:t>
+            </a:r>
+          </a:p>
+          <a:p>
+            <a:pPr algn="l">
+              <a:lnSpc>
+                <a:spcPct val="110000"/>
+              </a:lnSpc>
+              <a:defRPr sz="4200">
+                <a:latin typeface="Menlo Regular"/>
+                <a:ea typeface="Menlo Regular"/>
+                <a:cs typeface="Menlo Regular"/>
+                <a:sym typeface="Menlo Regular"/>
+              </a:defRPr>
+            </a:pPr>
+            <a:r>
+              <a:rPr sz="1600" dirty="0"/>
+              <a:t>[9]       13656  </a:t>
+            </a:r>
+            <a:r>
+              <a:rPr sz="1600" dirty="0" err="1"/>
+              <a:t>TARGET.Disk</a:t>
+            </a:r>
+            <a:r>
+              <a:rPr sz="1600" dirty="0"/>
+              <a:t> &gt;= </a:t>
+            </a:r>
+            <a:r>
+              <a:rPr sz="1600" dirty="0" err="1"/>
+              <a:t>RequestDisk</a:t>
+            </a:r>
+            <a:endParaRPr sz="1600" dirty="0"/>
+          </a:p>
+          <a:p>
+            <a:pPr algn="l">
+              <a:lnSpc>
+                <a:spcPct val="110000"/>
+              </a:lnSpc>
+              <a:defRPr sz="4200">
+                <a:solidFill>
+                  <a:srgbClr val="FF6600"/>
+                </a:solidFill>
+                <a:latin typeface="Menlo Regular"/>
+                <a:ea typeface="Menlo Regular"/>
+                <a:cs typeface="Menlo Regular"/>
+                <a:sym typeface="Menlo Regular"/>
+              </a:defRPr>
+            </a:pPr>
+            <a:r>
+              <a:rPr sz="1600" dirty="0"/>
+              <a:t>[11]          0  </a:t>
+            </a:r>
+            <a:r>
+              <a:rPr sz="1600" dirty="0" err="1"/>
+              <a:t>TARGET.Memory</a:t>
+            </a:r>
+            <a:r>
+              <a:rPr sz="1600" dirty="0"/>
+              <a:t> &gt;= </a:t>
+            </a:r>
+            <a:r>
+              <a:rPr sz="1600" dirty="0" err="1"/>
+              <a:t>RequestMemory</a:t>
+            </a:r>
+            <a:endParaRPr sz="1600" dirty="0"/>
           </a:p>
         </p:txBody>
       </p:sp>
@@ -10224,7 +10475,7 @@
           <p:nvPr/>
         </p:nvPicPr>
         <p:blipFill rotWithShape="1">
-          <a:blip r:embed="rId2"/>
+          <a:blip r:embed="rId3"/>
           <a:srcRect b="20207"/>
           <a:stretch/>
         </p:blipFill>
@@ -10253,7 +10504,7 @@
           <p:nvPr/>
         </p:nvPicPr>
         <p:blipFill rotWithShape="1">
-          <a:blip r:embed="rId3"/>
+          <a:blip r:embed="rId4"/>
           <a:srcRect l="11198" r="12200" b="15054"/>
           <a:stretch/>
         </p:blipFill>
@@ -10282,7 +10533,7 @@
           <p:nvPr/>
         </p:nvPicPr>
         <p:blipFill rotWithShape="1">
-          <a:blip r:embed="rId4"/>
+          <a:blip r:embed="rId5"/>
           <a:srcRect b="13447"/>
           <a:stretch/>
         </p:blipFill>
@@ -10540,7 +10791,7 @@
       </p:grpSpPr>
       <p:sp>
         <p:nvSpPr>
-          <p:cNvPr id="271" name="Jobs are idle for a long time – can be hard to judge!"/>
+          <p:cNvPr id="291" name="Job runs … but something does not seem right…"/>
           <p:cNvSpPr txBox="1">
             <a:spLocks noGrp="1"/>
           </p:cNvSpPr>
@@ -10550,8 +10801,8 @@
         </p:nvSpPr>
         <p:spPr>
           <a:xfrm>
-            <a:off x="1219200" y="2396375"/>
-            <a:ext cx="9753600" cy="625079"/>
+            <a:off x="838199" y="1472057"/>
+            <a:ext cx="10965264" cy="4351339"/>
           </a:xfrm>
           <a:prstGeom prst="rect">
             <a:avLst/>
@@ -10563,145 +10814,79 @@
           </a:bodyPr>
           <a:lstStyle/>
           <a:p>
-            <a:pPr marL="0" indent="0">
-              <a:buNone/>
+            <a:pPr>
+              <a:buFont typeface="Wingdings" pitchFamily="2" charset="2"/>
+              <a:buChar char="q"/>
             </a:pPr>
             <a:r>
-              <a:rPr sz="1867" dirty="0"/>
-              <a:t>Jobs are </a:t>
-            </a:r>
-            <a:r>
-              <a:rPr sz="1867" dirty="0">
-                <a:solidFill>
-                  <a:srgbClr val="FF6600"/>
-                </a:solidFill>
-                <a:latin typeface="Menlo Regular"/>
-                <a:ea typeface="Menlo Regular"/>
-                <a:cs typeface="Menlo Regular"/>
-                <a:sym typeface="Menlo Regular"/>
-              </a:rPr>
-              <a:t>idle</a:t>
-            </a:r>
-            <a:r>
-              <a:rPr sz="1867" dirty="0"/>
-              <a:t> for a </a:t>
-            </a:r>
-            <a:r>
-              <a:rPr sz="1867" b="1" dirty="0"/>
-              <a:t>long</a:t>
-            </a:r>
-            <a:r>
-              <a:rPr sz="1867" dirty="0"/>
-              <a:t> time – </a:t>
-            </a:r>
-            <a:r>
-              <a:rPr sz="1867" i="1" dirty="0"/>
-              <a:t>can be hard to judge!</a:t>
-            </a:r>
-            <a:endParaRPr lang="en-US" sz="1867" i="1" dirty="0"/>
-          </a:p>
-          <a:p>
-            <a:pPr marL="0" indent="0">
-              <a:buNone/>
+              <a:rPr sz="3200" dirty="0"/>
+              <a:t>Job runs … but something does not seem right</a:t>
+            </a:r>
+          </a:p>
+          <a:p>
+            <a:pPr lvl="1"/>
+            <a:r>
+              <a:rPr sz="2800" dirty="0"/>
+              <a:t>Short or zero-length output file(s)</a:t>
+            </a:r>
+          </a:p>
+          <a:p>
+            <a:pPr lvl="1"/>
+            <a:r>
+              <a:rPr sz="2800" dirty="0"/>
+              <a:t>Very short runtime (almost instant)</a:t>
+            </a:r>
+          </a:p>
+          <a:p>
+            <a:pPr>
+              <a:buFont typeface="Wingdings" pitchFamily="2" charset="2"/>
+              <a:buChar char="q"/>
             </a:pPr>
             <a:r>
-              <a:rPr lang="en-US" sz="1867" b="1" i="1" dirty="0" err="1">
+              <a:rPr sz="3200" dirty="0"/>
+              <a:t>May be problems with app, inputs, arguments, …</a:t>
+            </a:r>
+          </a:p>
+          <a:p>
+            <a:pPr lvl="1"/>
+            <a:r>
+              <a:rPr sz="2800" dirty="0"/>
+              <a:t>Check log files for </a:t>
+            </a:r>
+            <a:r>
+              <a:rPr sz="2800" dirty="0">
                 <a:solidFill>
                   <a:schemeClr val="accent2">
                     <a:lumMod val="75000"/>
                   </a:schemeClr>
                 </a:solidFill>
               </a:rPr>
-              <a:t>condor_q</a:t>
-            </a:r>
-            <a:r>
-              <a:rPr lang="en-US" sz="1867" b="1" i="1" dirty="0">
-                <a:solidFill>
-                  <a:schemeClr val="accent2">
-                    <a:lumMod val="75000"/>
-                  </a:schemeClr>
-                </a:solidFill>
-              </a:rPr>
-              <a:t> -analyze &lt;</a:t>
-            </a:r>
-            <a:r>
-              <a:rPr lang="en-US" sz="1867" b="1" i="1" dirty="0" err="1">
-                <a:solidFill>
-                  <a:schemeClr val="accent2">
-                    <a:lumMod val="75000"/>
-                  </a:schemeClr>
-                </a:solidFill>
-              </a:rPr>
-              <a:t>JobId</a:t>
-            </a:r>
-            <a:r>
-              <a:rPr lang="en-US" sz="1867" b="1" i="1" dirty="0">
-                <a:solidFill>
-                  <a:schemeClr val="accent2">
-                    <a:lumMod val="75000"/>
-                  </a:schemeClr>
-                </a:solidFill>
-              </a:rPr>
-              <a:t>&gt;</a:t>
-            </a:r>
-            <a:endParaRPr lang="en-US" sz="1867" i="1" dirty="0">
-              <a:solidFill>
-                <a:schemeClr val="accent2">
-                  <a:lumMod val="75000"/>
-                </a:schemeClr>
-              </a:solidFill>
-            </a:endParaRPr>
-          </a:p>
-          <a:p>
-            <a:pPr marL="0" indent="0">
-              <a:buNone/>
-            </a:pPr>
-            <a:r>
-              <a:rPr lang="en-US" sz="1867" b="1" i="1" dirty="0" err="1">
-                <a:solidFill>
-                  <a:schemeClr val="accent2">
-                    <a:lumMod val="75000"/>
-                  </a:schemeClr>
-                </a:solidFill>
-              </a:rPr>
-              <a:t>condor_q</a:t>
-            </a:r>
-            <a:r>
-              <a:rPr lang="en-US" sz="1867" b="1" i="1" dirty="0">
-                <a:solidFill>
-                  <a:schemeClr val="accent2">
-                    <a:lumMod val="75000"/>
-                  </a:schemeClr>
-                </a:solidFill>
-              </a:rPr>
-              <a:t> –better-analyze &lt;</a:t>
-            </a:r>
-            <a:r>
-              <a:rPr lang="en-US" sz="1867" b="1" i="1" dirty="0" err="1">
-                <a:solidFill>
-                  <a:schemeClr val="accent2">
-                    <a:lumMod val="75000"/>
-                  </a:schemeClr>
-                </a:solidFill>
-              </a:rPr>
-              <a:t>JobId</a:t>
-            </a:r>
-            <a:r>
-              <a:rPr lang="en-US" sz="1867" b="1" i="1" dirty="0">
-                <a:solidFill>
-                  <a:schemeClr val="accent2">
-                    <a:lumMod val="75000"/>
-                  </a:schemeClr>
-                </a:solidFill>
-              </a:rPr>
-              <a:t>&gt;</a:t>
-            </a:r>
-          </a:p>
-        </p:txBody>
-      </p:sp>
-      <p:sp>
-        <p:nvSpPr>
-          <p:cNvPr id="272" name="Issue: Jobs Idle for a Long Time"/>
+              <a:t>unexpected exit codes</a:t>
+            </a:r>
+            <a:r>
+              <a:rPr sz="2800" dirty="0"/>
+              <a:t>, etc.</a:t>
+            </a:r>
+          </a:p>
+          <a:p>
+            <a:pPr lvl="1"/>
+            <a:r>
+              <a:rPr sz="2800" dirty="0"/>
+              <a:t>Check output and error files for messages from app</a:t>
+            </a:r>
+          </a:p>
+          <a:p>
+            <a:pPr lvl="1"/>
+            <a:r>
+              <a:rPr sz="2800" dirty="0"/>
+              <a:t>Can’t find anything? Add more debugging output</a:t>
+            </a:r>
+          </a:p>
+        </p:txBody>
+      </p:sp>
+      <p:sp>
+        <p:nvSpPr>
+          <p:cNvPr id="292" name="Issue: Missing or Unexpected Results"/>
           <p:cNvSpPr txBox="1">
             <a:spLocks noGrp="1"/>
           </p:cNvSpPr>
@@ -10711,8 +10896,8 @@
         </p:nvSpPr>
         <p:spPr>
           <a:xfrm>
-            <a:off x="833736" y="0"/>
-            <a:ext cx="9556897" cy="1325563"/>
+            <a:off x="838199" y="18254"/>
+            <a:ext cx="10515601" cy="1325563"/>
           </a:xfrm>
           <a:prstGeom prst="rect">
             <a:avLst/>
@@ -10726,15 +10911,22 @@
           <a:p>
             <a:pPr algn="l"/>
             <a:r>
-              <a:rPr sz="4400" b="0" dirty="0"/>
-              <a:t>Issue: Jobs Idle for a Long Time</a:t>
-            </a:r>
-          </a:p>
-        </p:txBody>
-      </p:sp>
-      <p:sp>
-        <p:nvSpPr>
-          <p:cNvPr id="273" name="Slide Number"/>
+              <a:rPr sz="4400" b="0" dirty="0">
+                <a:solidFill>
+                  <a:schemeClr val="tx1"/>
+                </a:solidFill>
+                <a:latin typeface="Helvetica Neue" panose="02000503000000020004" pitchFamily="2" charset="0"/>
+                <a:ea typeface="Helvetica Neue" panose="02000503000000020004" pitchFamily="2" charset="0"/>
+                <a:cs typeface="Helvetica Neue" panose="02000503000000020004" pitchFamily="2" charset="0"/>
+              </a:rPr>
+              <a:t>Issue: Missing or Unexpected Results</a:t>
+            </a:r>
+          </a:p>
+        </p:txBody>
+      </p:sp>
+      <p:sp>
+        <p:nvSpPr>
+          <p:cNvPr id="293" name="Slide Number"/>
           <p:cNvSpPr txBox="1">
             <a:spLocks noGrp="1"/>
           </p:cNvSpPr>
@@ -10761,347 +10953,6 @@
               <a:t>20</a:t>
             </a:fld>
             <a:endParaRPr/>
-          </a:p>
-        </p:txBody>
-      </p:sp>
-      <p:sp>
-        <p:nvSpPr>
-          <p:cNvPr id="274" name="$ condor_q…"/>
-          <p:cNvSpPr txBox="1"/>
-          <p:nvPr/>
-        </p:nvSpPr>
-        <p:spPr>
-          <a:xfrm>
-            <a:off x="1219200" y="1206095"/>
-            <a:ext cx="9753600" cy="1051185"/>
-          </a:xfrm>
-          <a:prstGeom prst="rect">
-            <a:avLst/>
-          </a:prstGeom>
-          <a:solidFill>
-            <a:srgbClr val="EEEEEE"/>
-          </a:solidFill>
-          <a:ln w="50800">
-            <a:solidFill>
-              <a:srgbClr val="929292"/>
-            </a:solidFill>
-            <a:miter lim="400000"/>
-          </a:ln>
-          <a:extLst>
-            <a:ext uri="{C572A759-6A51-4108-AA02-DFA0A04FC94B}">
-              <ma14:wrappingTextBoxFlag xmlns:ma14="http://schemas.microsoft.com/office/mac/drawingml/2011/main" xmlns:a14="http://schemas.microsoft.com/office/drawing/2010/main" xmlns:m="http://schemas.openxmlformats.org/officeDocument/2006/math" xmlns="" val="1"/>
-            </a:ext>
-          </a:extLst>
-        </p:spPr>
-        <p:txBody>
-          <a:bodyPr wrap="square" lIns="127000" tIns="127000" rIns="127000" bIns="127000">
-            <a:spAutoFit/>
-          </a:bodyPr>
-          <a:lstStyle/>
-          <a:p>
-            <a:pPr algn="l">
-              <a:lnSpc>
-                <a:spcPct val="110000"/>
-              </a:lnSpc>
-              <a:defRPr sz="4200">
-                <a:latin typeface="Menlo Regular"/>
-                <a:ea typeface="Menlo Regular"/>
-                <a:cs typeface="Menlo Regular"/>
-                <a:sym typeface="Menlo Regular"/>
-              </a:defRPr>
-            </a:pPr>
-            <a:r>
-              <a:rPr sz="1600" dirty="0"/>
-              <a:t>$ </a:t>
-            </a:r>
-            <a:r>
-              <a:rPr sz="1600" b="1" dirty="0" err="1"/>
-              <a:t>condor_q</a:t>
-            </a:r>
-            <a:endParaRPr sz="1600" b="1" dirty="0"/>
-          </a:p>
-          <a:p>
-            <a:pPr algn="l">
-              <a:lnSpc>
-                <a:spcPct val="110000"/>
-              </a:lnSpc>
-              <a:defRPr sz="4200">
-                <a:latin typeface="Menlo Regular"/>
-                <a:ea typeface="Menlo Regular"/>
-                <a:cs typeface="Menlo Regular"/>
-                <a:sym typeface="Menlo Regular"/>
-              </a:defRPr>
-            </a:pPr>
-            <a:r>
-              <a:rPr sz="1600" dirty="0"/>
-              <a:t>OWNER    BATCH_NAME    SUBMITTED   DONE   RUN    </a:t>
-            </a:r>
-            <a:r>
-              <a:rPr sz="1600" dirty="0">
-                <a:solidFill>
-                  <a:srgbClr val="FF6600"/>
-                </a:solidFill>
-              </a:rPr>
-              <a:t>IDLE</a:t>
-            </a:r>
-            <a:r>
-              <a:rPr sz="1600" dirty="0"/>
-              <a:t>  TOTAL JOB_IDS</a:t>
-            </a:r>
-          </a:p>
-          <a:p>
-            <a:pPr algn="l">
-              <a:lnSpc>
-                <a:spcPct val="110000"/>
-              </a:lnSpc>
-              <a:defRPr sz="4200">
-                <a:latin typeface="Menlo Regular"/>
-                <a:ea typeface="Menlo Regular"/>
-                <a:cs typeface="Menlo Regular"/>
-                <a:sym typeface="Menlo Regular"/>
-              </a:defRPr>
-            </a:pPr>
-            <a:r>
-              <a:rPr sz="1600" dirty="0"/>
-              <a:t>cat      ID: 123456   6/30 12:34      _      _      </a:t>
-            </a:r>
-            <a:r>
-              <a:rPr sz="1600" dirty="0">
-                <a:solidFill>
-                  <a:srgbClr val="FF6600"/>
-                </a:solidFill>
-              </a:rPr>
-              <a:t>1</a:t>
-            </a:r>
-            <a:r>
-              <a:rPr sz="1600" dirty="0"/>
-              <a:t>      1 123456.0</a:t>
-            </a:r>
-          </a:p>
-        </p:txBody>
-      </p:sp>
-      <p:sp>
-        <p:nvSpPr>
-          <p:cNvPr id="275" name="$ condor_q -better-analyze 123456.0…"/>
-          <p:cNvSpPr txBox="1"/>
-          <p:nvPr/>
-        </p:nvSpPr>
-        <p:spPr>
-          <a:xfrm>
-            <a:off x="1219200" y="3539645"/>
-            <a:ext cx="9753600" cy="2405402"/>
-          </a:xfrm>
-          <a:prstGeom prst="rect">
-            <a:avLst/>
-          </a:prstGeom>
-          <a:solidFill>
-            <a:srgbClr val="EEEEEE"/>
-          </a:solidFill>
-          <a:ln w="50800">
-            <a:solidFill>
-              <a:srgbClr val="929292"/>
-            </a:solidFill>
-            <a:miter lim="400000"/>
-          </a:ln>
-          <a:extLst>
-            <a:ext uri="{C572A759-6A51-4108-AA02-DFA0A04FC94B}">
-              <ma14:wrappingTextBoxFlag xmlns:ma14="http://schemas.microsoft.com/office/mac/drawingml/2011/main" xmlns:a14="http://schemas.microsoft.com/office/drawing/2010/main" xmlns:m="http://schemas.openxmlformats.org/officeDocument/2006/math" xmlns="" val="1"/>
-            </a:ext>
-          </a:extLst>
-        </p:spPr>
-        <p:txBody>
-          <a:bodyPr lIns="127000" tIns="127000" rIns="127000" bIns="127000">
-            <a:spAutoFit/>
-          </a:bodyPr>
-          <a:lstStyle/>
-          <a:p>
-            <a:pPr algn="l">
-              <a:lnSpc>
-                <a:spcPct val="110000"/>
-              </a:lnSpc>
-              <a:defRPr sz="4200">
-                <a:latin typeface="Menlo Regular"/>
-                <a:ea typeface="Menlo Regular"/>
-                <a:cs typeface="Menlo Regular"/>
-                <a:sym typeface="Menlo Regular"/>
-              </a:defRPr>
-            </a:pPr>
-            <a:r>
-              <a:rPr sz="1600" dirty="0"/>
-              <a:t>$ </a:t>
-            </a:r>
-            <a:r>
-              <a:rPr sz="1600" b="1" dirty="0" err="1"/>
-              <a:t>condor_q</a:t>
-            </a:r>
-            <a:r>
-              <a:rPr sz="1600" b="1" dirty="0"/>
-              <a:t> -better-analyze 123456.0</a:t>
-            </a:r>
-          </a:p>
-          <a:p>
-            <a:pPr algn="l">
-              <a:lnSpc>
-                <a:spcPct val="110000"/>
-              </a:lnSpc>
-              <a:defRPr sz="4200">
-                <a:latin typeface="Menlo Regular"/>
-                <a:ea typeface="Menlo Regular"/>
-                <a:cs typeface="Menlo Regular"/>
-                <a:sym typeface="Menlo Regular"/>
-              </a:defRPr>
-            </a:pPr>
-            <a:r>
-              <a:rPr sz="1600" dirty="0"/>
-              <a:t>...</a:t>
-            </a:r>
-          </a:p>
-          <a:p>
-            <a:pPr algn="l">
-              <a:lnSpc>
-                <a:spcPct val="110000"/>
-              </a:lnSpc>
-              <a:defRPr sz="4200">
-                <a:latin typeface="Menlo Regular"/>
-                <a:ea typeface="Menlo Regular"/>
-                <a:cs typeface="Menlo Regular"/>
-                <a:sym typeface="Menlo Regular"/>
-              </a:defRPr>
-            </a:pPr>
-            <a:r>
-              <a:rPr sz="1600" dirty="0"/>
-              <a:t>         Slots</a:t>
-            </a:r>
-          </a:p>
-          <a:p>
-            <a:pPr algn="l">
-              <a:lnSpc>
-                <a:spcPct val="110000"/>
-              </a:lnSpc>
-              <a:defRPr sz="4200">
-                <a:latin typeface="Menlo Regular"/>
-                <a:ea typeface="Menlo Regular"/>
-                <a:cs typeface="Menlo Regular"/>
-                <a:sym typeface="Menlo Regular"/>
-              </a:defRPr>
-            </a:pPr>
-            <a:r>
-              <a:rPr sz="1600" dirty="0"/>
-              <a:t>Step    Matched  Condition</a:t>
-            </a:r>
-          </a:p>
-          <a:p>
-            <a:pPr algn="l">
-              <a:lnSpc>
-                <a:spcPct val="110000"/>
-              </a:lnSpc>
-              <a:defRPr sz="4200">
-                <a:latin typeface="Menlo Regular"/>
-                <a:ea typeface="Menlo Regular"/>
-                <a:cs typeface="Menlo Regular"/>
-                <a:sym typeface="Menlo Regular"/>
-              </a:defRPr>
-            </a:pPr>
-            <a:r>
-              <a:rPr sz="1600" dirty="0"/>
-              <a:t>-----  --------  ---------</a:t>
-            </a:r>
-          </a:p>
-          <a:p>
-            <a:pPr algn="l">
-              <a:lnSpc>
-                <a:spcPct val="110000"/>
-              </a:lnSpc>
-              <a:defRPr sz="4200">
-                <a:latin typeface="Menlo Regular"/>
-                <a:ea typeface="Menlo Regular"/>
-                <a:cs typeface="Menlo Regular"/>
-                <a:sym typeface="Menlo Regular"/>
-              </a:defRPr>
-            </a:pPr>
-            <a:r>
-              <a:rPr sz="1600" dirty="0"/>
-              <a:t>[0]       13033  </a:t>
-            </a:r>
-            <a:r>
-              <a:rPr sz="1600" dirty="0" err="1"/>
-              <a:t>TARGET.PoolName</a:t>
-            </a:r>
-            <a:r>
-              <a:rPr sz="1600" dirty="0"/>
-              <a:t> == "</a:t>
-            </a:r>
-            <a:r>
-              <a:rPr lang="en-US" sz="1600" dirty="0" err="1"/>
-              <a:t>OSPool</a:t>
-            </a:r>
-            <a:r>
-              <a:rPr sz="1600" dirty="0"/>
-              <a:t>"</a:t>
-            </a:r>
-          </a:p>
-          <a:p>
-            <a:pPr algn="l">
-              <a:lnSpc>
-                <a:spcPct val="110000"/>
-              </a:lnSpc>
-              <a:defRPr sz="4200">
-                <a:latin typeface="Menlo Regular"/>
-                <a:ea typeface="Menlo Regular"/>
-                <a:cs typeface="Menlo Regular"/>
-                <a:sym typeface="Menlo Regular"/>
-              </a:defRPr>
-            </a:pPr>
-            <a:r>
-              <a:rPr sz="1600" dirty="0"/>
-              <a:t>[9]       13656  </a:t>
-            </a:r>
-            <a:r>
-              <a:rPr sz="1600" dirty="0" err="1"/>
-              <a:t>TARGET.Disk</a:t>
-            </a:r>
-            <a:r>
-              <a:rPr sz="1600" dirty="0"/>
-              <a:t> &gt;= </a:t>
-            </a:r>
-            <a:r>
-              <a:rPr sz="1600" dirty="0" err="1"/>
-              <a:t>RequestDisk</a:t>
-            </a:r>
-            <a:endParaRPr sz="1600" dirty="0"/>
-          </a:p>
-          <a:p>
-            <a:pPr algn="l">
-              <a:lnSpc>
-                <a:spcPct val="110000"/>
-              </a:lnSpc>
-              <a:defRPr sz="4200">
-                <a:solidFill>
-                  <a:srgbClr val="FF6600"/>
-                </a:solidFill>
-                <a:latin typeface="Menlo Regular"/>
-                <a:ea typeface="Menlo Regular"/>
-                <a:cs typeface="Menlo Regular"/>
-                <a:sym typeface="Menlo Regular"/>
-              </a:defRPr>
-            </a:pPr>
-            <a:r>
-              <a:rPr sz="1600" dirty="0"/>
-              <a:t>[11]          0  </a:t>
-            </a:r>
-            <a:r>
-              <a:rPr sz="1600" dirty="0" err="1"/>
-              <a:t>TARGET.Memory</a:t>
-            </a:r>
-            <a:r>
-              <a:rPr sz="1600" dirty="0"/>
-              <a:t> &gt;= </a:t>
-            </a:r>
-            <a:r>
-              <a:rPr sz="1600" dirty="0" err="1"/>
-              <a:t>RequestMemory</a:t>
-            </a:r>
-            <a:endParaRPr sz="1600" dirty="0"/>
           </a:p>
         </p:txBody>
       </p:sp>
@@ -11133,7 +10984,7 @@
       </p:grpSpPr>
       <p:sp>
         <p:nvSpPr>
-          <p:cNvPr id="291" name="Job runs … but something does not seem right…"/>
+          <p:cNvPr id="295" name="What is badput?…"/>
           <p:cNvSpPr txBox="1">
             <a:spLocks noGrp="1"/>
           </p:cNvSpPr>
@@ -11143,8 +10994,8 @@
         </p:nvSpPr>
         <p:spPr>
           <a:xfrm>
-            <a:off x="838199" y="1472057"/>
-            <a:ext cx="10965264" cy="4351339"/>
+            <a:off x="838200" y="1253330"/>
+            <a:ext cx="11233220" cy="4351339"/>
           </a:xfrm>
           <a:prstGeom prst="rect">
             <a:avLst/>
@@ -11152,83 +11003,127 @@
         </p:spPr>
         <p:txBody>
           <a:bodyPr>
-            <a:noAutofit/>
+            <a:normAutofit/>
           </a:bodyPr>
           <a:lstStyle/>
           <a:p>
-            <a:pPr>
-              <a:buFont typeface="Wingdings" pitchFamily="2" charset="2"/>
-              <a:buChar char="q"/>
+            <a:pPr marL="369561" indent="-369561" defTabSz="398433">
+              <a:defRPr sz="6984"/>
             </a:pPr>
             <a:r>
-              <a:rPr sz="3200" dirty="0"/>
-              <a:t>Job runs … but something does not seem right</a:t>
-            </a:r>
-          </a:p>
-          <a:p>
-            <a:pPr lvl="1"/>
-            <a:r>
-              <a:rPr sz="2800" dirty="0"/>
-              <a:t>Short or zero-length output file(s)</a:t>
-            </a:r>
-          </a:p>
-          <a:p>
-            <a:pPr lvl="1"/>
-            <a:r>
-              <a:rPr sz="2800" dirty="0"/>
-              <a:t>Very short runtime (almost instant)</a:t>
-            </a:r>
-          </a:p>
-          <a:p>
-            <a:pPr>
-              <a:buFont typeface="Wingdings" pitchFamily="2" charset="2"/>
-              <a:buChar char="q"/>
+              <a:rPr sz="3000" dirty="0"/>
+              <a:t>What is </a:t>
+            </a:r>
+            <a:r>
+              <a:rPr sz="3000" i="1" dirty="0" err="1"/>
+              <a:t>badput</a:t>
+            </a:r>
+            <a:r>
+              <a:rPr sz="3000" dirty="0"/>
+              <a:t>?</a:t>
+            </a:r>
+          </a:p>
+          <a:p>
+            <a:pPr marL="739122" lvl="1" indent="-369561" defTabSz="398433">
+              <a:defRPr sz="6305"/>
             </a:pPr>
             <a:r>
-              <a:rPr sz="3200" dirty="0"/>
-              <a:t>May be problems with app, inputs, arguments, …</a:t>
-            </a:r>
-          </a:p>
-          <a:p>
-            <a:pPr lvl="1"/>
-            <a:r>
-              <a:rPr sz="2800" dirty="0"/>
-              <a:t>Check log files for </a:t>
-            </a:r>
-            <a:r>
-              <a:rPr sz="2800" dirty="0">
-                <a:solidFill>
-                  <a:schemeClr val="accent2">
-                    <a:lumMod val="75000"/>
-                  </a:schemeClr>
-                </a:solidFill>
-              </a:rPr>
-              <a:t>unexpected exit codes</a:t>
-            </a:r>
-            <a:r>
-              <a:rPr sz="2800" dirty="0"/>
-              <a:t>, etc.</a:t>
-            </a:r>
-          </a:p>
-          <a:p>
-            <a:pPr lvl="1"/>
-            <a:r>
-              <a:rPr sz="2800" dirty="0"/>
-              <a:t>Check output and error files for messages from app</a:t>
-            </a:r>
-          </a:p>
-          <a:p>
-            <a:pPr lvl="1"/>
-            <a:r>
-              <a:rPr sz="2800" dirty="0"/>
-              <a:t>Can’t find anything? Add more debugging output</a:t>
-            </a:r>
-          </a:p>
-        </p:txBody>
-      </p:sp>
-      <p:sp>
-        <p:nvSpPr>
-          <p:cNvPr id="292" name="Issue: Missing or Unexpected Results"/>
+              <a:rPr sz="3000" dirty="0"/>
+              <a:t>Basically, wasted computing</a:t>
+            </a:r>
+          </a:p>
+          <a:p>
+            <a:pPr marL="1108683" lvl="2" indent="-369561" defTabSz="398433">
+              <a:defRPr sz="4462"/>
+            </a:pPr>
+            <a:r>
+              <a:rPr sz="3000" dirty="0"/>
+              <a:t>Job runs for </a:t>
+            </a:r>
+            <a:r>
+              <a:rPr sz="3000" i="1" dirty="0"/>
+              <a:t>97 minutes</a:t>
+            </a:r>
+            <a:r>
+              <a:rPr sz="3000" dirty="0"/>
+              <a:t>, gets kicked off, starts over on another server</a:t>
+            </a:r>
+          </a:p>
+          <a:p>
+            <a:pPr marL="1108683" lvl="2" indent="-369561" defTabSz="398433">
+              <a:defRPr sz="4462"/>
+            </a:pPr>
+            <a:r>
+              <a:rPr sz="3000" dirty="0"/>
+              <a:t>Job runs for </a:t>
+            </a:r>
+            <a:r>
+              <a:rPr sz="3000" i="1" dirty="0"/>
+              <a:t>97 minutes</a:t>
+            </a:r>
+            <a:r>
+              <a:rPr sz="3000" dirty="0"/>
+              <a:t>, is removed</a:t>
+            </a:r>
+          </a:p>
+          <a:p>
+            <a:pPr marL="739122" lvl="1" indent="-369561" defTabSz="398433">
+              <a:defRPr sz="6305"/>
+            </a:pPr>
+            <a:r>
+              <a:rPr sz="3000" dirty="0">
+                <a:latin typeface="Myriad Pro Semibold"/>
+                <a:ea typeface="Myriad Pro Semibold"/>
+                <a:cs typeface="Myriad Pro Semibold"/>
+                <a:sym typeface="Myriad Pro Semibold"/>
+              </a:rPr>
+              <a:t>Not</a:t>
+            </a:r>
+            <a:r>
+              <a:rPr sz="3000" dirty="0"/>
+              <a:t> jobs that must be re-run due to code changes!</a:t>
+            </a:r>
+            <a:br>
+              <a:rPr sz="3000" dirty="0"/>
+            </a:br>
+            <a:r>
+              <a:rPr sz="3000" dirty="0"/>
+              <a:t>(that’s just part of science, right?)</a:t>
+            </a:r>
+          </a:p>
+          <a:p>
+            <a:pPr marL="369561" indent="-369561" defTabSz="398433">
+              <a:spcBef>
+                <a:spcPts val="951"/>
+              </a:spcBef>
+              <a:defRPr sz="6984"/>
+            </a:pPr>
+            <a:r>
+              <a:rPr sz="3000" dirty="0" err="1"/>
+              <a:t>Badput</a:t>
+            </a:r>
+            <a:r>
+              <a:rPr sz="3000" dirty="0"/>
+              <a:t> uses resources that others could have used</a:t>
+            </a:r>
+          </a:p>
+          <a:p>
+            <a:pPr marL="369561" indent="-369561" defTabSz="398433">
+              <a:spcBef>
+                <a:spcPts val="951"/>
+              </a:spcBef>
+              <a:defRPr sz="6984"/>
+            </a:pPr>
+            <a:r>
+              <a:rPr sz="3000" dirty="0"/>
+              <a:t>If contacted, help us help you and others!</a:t>
+            </a:r>
+          </a:p>
+        </p:txBody>
+      </p:sp>
+      <p:sp>
+        <p:nvSpPr>
+          <p:cNvPr id="296" name="Issue: Badput"/>
           <p:cNvSpPr txBox="1">
             <a:spLocks noGrp="1"/>
           </p:cNvSpPr>
@@ -11238,8 +11133,8 @@
         </p:nvSpPr>
         <p:spPr>
           <a:xfrm>
-            <a:off x="838199" y="18254"/>
-            <a:ext cx="10515601" cy="1325563"/>
+            <a:off x="731519" y="0"/>
+            <a:ext cx="10622281" cy="1325563"/>
           </a:xfrm>
           <a:prstGeom prst="rect">
             <a:avLst/>
@@ -11254,21 +11149,31 @@
             <a:pPr algn="l"/>
             <a:r>
               <a:rPr sz="4400" b="0" dirty="0">
-                <a:solidFill>
-                  <a:schemeClr val="tx1"/>
-                </a:solidFill>
                 <a:latin typeface="Helvetica Neue" panose="02000503000000020004" pitchFamily="2" charset="0"/>
                 <a:ea typeface="Helvetica Neue" panose="02000503000000020004" pitchFamily="2" charset="0"/>
                 <a:cs typeface="Helvetica Neue" panose="02000503000000020004" pitchFamily="2" charset="0"/>
               </a:rPr>
-              <a:t>Issue: Missing or Unexpected Results</a:t>
-            </a:r>
-          </a:p>
-        </p:txBody>
-      </p:sp>
-      <p:sp>
-        <p:nvSpPr>
-          <p:cNvPr id="293" name="Slide Number"/>
+              <a:t>Issue: </a:t>
+            </a:r>
+            <a:r>
+              <a:rPr sz="4400" b="0" dirty="0" err="1">
+                <a:latin typeface="Helvetica Neue" panose="02000503000000020004" pitchFamily="2" charset="0"/>
+                <a:ea typeface="Helvetica Neue" panose="02000503000000020004" pitchFamily="2" charset="0"/>
+                <a:cs typeface="Helvetica Neue" panose="02000503000000020004" pitchFamily="2" charset="0"/>
+              </a:rPr>
+              <a:t>Badput</a:t>
+            </a:r>
+            <a:endParaRPr sz="4400" b="0" dirty="0">
+              <a:latin typeface="Helvetica Neue" panose="02000503000000020004" pitchFamily="2" charset="0"/>
+              <a:ea typeface="Helvetica Neue" panose="02000503000000020004" pitchFamily="2" charset="0"/>
+              <a:cs typeface="Helvetica Neue" panose="02000503000000020004" pitchFamily="2" charset="0"/>
+            </a:endParaRPr>
+          </a:p>
+        </p:txBody>
+      </p:sp>
+      <p:sp>
+        <p:nvSpPr>
+          <p:cNvPr id="297" name="Slide Number"/>
           <p:cNvSpPr txBox="1">
             <a:spLocks noGrp="1"/>
           </p:cNvSpPr>
@@ -11337,7 +11242,7 @@
         <p:spPr>
           <a:xfrm>
             <a:off x="838200" y="1253330"/>
-            <a:ext cx="11233220" cy="4351339"/>
+            <a:ext cx="11188700" cy="4351339"/>
           </a:xfrm>
           <a:prstGeom prst="rect">
             <a:avLst/>
@@ -11345,120 +11250,328 @@
         </p:spPr>
         <p:txBody>
           <a:bodyPr>
-            <a:normAutofit/>
+            <a:noAutofit/>
           </a:bodyPr>
           <a:lstStyle/>
           <a:p>
-            <a:pPr marL="369561" indent="-369561" defTabSz="398433">
+            <a:pPr defTabSz="398433">
+              <a:buFont typeface="Wingdings" pitchFamily="2" charset="2"/>
+              <a:buChar char="q"/>
               <a:defRPr sz="6984"/>
             </a:pPr>
             <a:r>
-              <a:rPr sz="3000" dirty="0"/>
-              <a:t>What is </a:t>
-            </a:r>
-            <a:r>
-              <a:rPr sz="3000" i="1" dirty="0" err="1"/>
-              <a:t>badput</a:t>
-            </a:r>
-            <a:r>
-              <a:rPr sz="3000" dirty="0"/>
-              <a:t>?</a:t>
-            </a:r>
-          </a:p>
-          <a:p>
-            <a:pPr marL="739122" lvl="1" indent="-369561" defTabSz="398433">
-              <a:defRPr sz="6305"/>
-            </a:pPr>
-            <a:r>
-              <a:rPr sz="3000" dirty="0"/>
-              <a:t>Basically, wasted computing</a:t>
-            </a:r>
-          </a:p>
-          <a:p>
-            <a:pPr marL="1108683" lvl="2" indent="-369561" defTabSz="398433">
-              <a:defRPr sz="4462"/>
-            </a:pPr>
-            <a:r>
-              <a:rPr sz="3000" dirty="0"/>
-              <a:t>Job runs for </a:t>
-            </a:r>
-            <a:r>
-              <a:rPr sz="3000" i="1" dirty="0"/>
-              <a:t>97 minutes</a:t>
-            </a:r>
-            <a:r>
-              <a:rPr sz="3000" dirty="0"/>
-              <a:t>, gets kicked off, starts over on another server</a:t>
-            </a:r>
-          </a:p>
-          <a:p>
-            <a:pPr marL="1108683" lvl="2" indent="-369561" defTabSz="398433">
-              <a:defRPr sz="4462"/>
-            </a:pPr>
-            <a:r>
-              <a:rPr sz="3000" dirty="0"/>
-              <a:t>Job runs for </a:t>
-            </a:r>
-            <a:r>
-              <a:rPr sz="3000" i="1" dirty="0"/>
-              <a:t>97 minutes</a:t>
-            </a:r>
-            <a:r>
-              <a:rPr sz="3000" dirty="0"/>
-              <a:t>, is removed</a:t>
-            </a:r>
-          </a:p>
-          <a:p>
-            <a:pPr marL="739122" lvl="1" indent="-369561" defTabSz="398433">
-              <a:defRPr sz="6305"/>
-            </a:pPr>
-            <a:r>
-              <a:rPr sz="3000" dirty="0">
-                <a:latin typeface="Myriad Pro Semibold"/>
-                <a:ea typeface="Myriad Pro Semibold"/>
-                <a:cs typeface="Myriad Pro Semibold"/>
-                <a:sym typeface="Myriad Pro Semibold"/>
-              </a:rPr>
-              <a:t>Not</a:t>
-            </a:r>
-            <a:r>
-              <a:rPr sz="3000" dirty="0"/>
-              <a:t> jobs that must be re-run due to code changes!</a:t>
-            </a:r>
-            <a:br>
-              <a:rPr sz="3000" dirty="0"/>
-            </a:br>
-            <a:r>
-              <a:rPr sz="3000" dirty="0"/>
-              <a:t>(that’s just part of science, right?)</a:t>
-            </a:r>
-          </a:p>
-          <a:p>
-            <a:pPr marL="369561" indent="-369561" defTabSz="398433">
-              <a:spcBef>
-                <a:spcPts val="951"/>
-              </a:spcBef>
+              <a:rPr lang="en-US" sz="3000" dirty="0"/>
+              <a:t>Always test with a </a:t>
+            </a:r>
+            <a:r>
+              <a:rPr lang="en-US" sz="3000" b="1" dirty="0"/>
+              <a:t>small set of jobs </a:t>
+            </a:r>
+            <a:r>
+              <a:rPr lang="en-US" sz="3000" dirty="0"/>
+              <a:t>before scaling up. (This practice applies to any modifications made to a </a:t>
+            </a:r>
+            <a:r>
+              <a:rPr lang="en-US" sz="3000" b="1" dirty="0"/>
+              <a:t>tried and tested </a:t>
+            </a:r>
+            <a:r>
+              <a:rPr lang="en-US" sz="3000" dirty="0"/>
+              <a:t>code as well )</a:t>
+            </a:r>
+          </a:p>
+          <a:p>
+            <a:pPr defTabSz="398433">
+              <a:buFont typeface="Wingdings" pitchFamily="2" charset="2"/>
+              <a:buChar char="q"/>
               <a:defRPr sz="6984"/>
             </a:pPr>
             <a:r>
-              <a:rPr sz="3000" dirty="0" err="1"/>
-              <a:t>Badput</a:t>
-            </a:r>
-            <a:r>
-              <a:rPr sz="3000" dirty="0"/>
-              <a:t> uses resources that others could have used</a:t>
-            </a:r>
-          </a:p>
-          <a:p>
-            <a:pPr marL="369561" indent="-369561" defTabSz="398433">
-              <a:spcBef>
-                <a:spcPts val="951"/>
-              </a:spcBef>
+              <a:rPr lang="en-US" sz="3000" dirty="0"/>
+              <a:t>Monitor your jobs memory and disk usage</a:t>
+            </a:r>
+          </a:p>
+          <a:p>
+            <a:pPr marL="0" indent="0" algn="ctr" defTabSz="398433">
+              <a:buNone/>
               <a:defRPr sz="6984"/>
             </a:pPr>
             <a:r>
-              <a:rPr sz="3000" dirty="0"/>
-              <a:t>If contacted, help us help you and others!</a:t>
+              <a:rPr lang="en-US" sz="2400" i="1" dirty="0" err="1">
+                <a:solidFill>
+                  <a:schemeClr val="accent2">
+                    <a:lumMod val="75000"/>
+                  </a:schemeClr>
+                </a:solidFill>
+              </a:rPr>
+              <a:t>condor_q</a:t>
+            </a:r>
+            <a:r>
+              <a:rPr lang="en-US" sz="2400" i="1" dirty="0">
+                <a:solidFill>
+                  <a:schemeClr val="accent2">
+                    <a:lumMod val="75000"/>
+                  </a:schemeClr>
+                </a:solidFill>
+              </a:rPr>
+              <a:t> &lt;</a:t>
+            </a:r>
+            <a:r>
+              <a:rPr lang="en-US" sz="2400" i="1" dirty="0" err="1">
+                <a:solidFill>
+                  <a:schemeClr val="accent2">
+                    <a:lumMod val="75000"/>
+                  </a:schemeClr>
+                </a:solidFill>
+              </a:rPr>
+              <a:t>jobid</a:t>
+            </a:r>
+            <a:r>
+              <a:rPr lang="en-US" sz="2400" i="1" dirty="0">
+                <a:solidFill>
+                  <a:schemeClr val="accent2">
+                    <a:lumMod val="75000"/>
+                  </a:schemeClr>
+                </a:solidFill>
+              </a:rPr>
+              <a:t>&gt; -</a:t>
+            </a:r>
+            <a:r>
+              <a:rPr lang="en-US" sz="2400" i="1" dirty="0" err="1">
+                <a:solidFill>
+                  <a:schemeClr val="accent2">
+                    <a:lumMod val="75000"/>
+                  </a:schemeClr>
+                </a:solidFill>
+              </a:rPr>
+              <a:t>af</a:t>
+            </a:r>
+            <a:r>
+              <a:rPr lang="en-US" sz="2400" i="1" dirty="0">
+                <a:solidFill>
+                  <a:schemeClr val="accent2">
+                    <a:lumMod val="75000"/>
+                  </a:schemeClr>
+                </a:solidFill>
+              </a:rPr>
+              <a:t> </a:t>
+            </a:r>
+            <a:r>
+              <a:rPr lang="en-US" sz="2400" i="1" dirty="0" err="1">
+                <a:solidFill>
+                  <a:schemeClr val="accent2">
+                    <a:lumMod val="75000"/>
+                  </a:schemeClr>
+                </a:solidFill>
+              </a:rPr>
+              <a:t>RequestMemory</a:t>
+            </a:r>
+            <a:r>
+              <a:rPr lang="en-US" sz="2400" i="1" dirty="0">
+                <a:solidFill>
+                  <a:schemeClr val="accent2">
+                    <a:lumMod val="75000"/>
+                  </a:schemeClr>
+                </a:solidFill>
+              </a:rPr>
+              <a:t> </a:t>
+            </a:r>
+            <a:r>
+              <a:rPr lang="en-US" sz="2400" i="1" dirty="0" err="1">
+                <a:solidFill>
+                  <a:schemeClr val="accent2">
+                    <a:lumMod val="75000"/>
+                  </a:schemeClr>
+                </a:solidFill>
+              </a:rPr>
+              <a:t>MemoryUsage</a:t>
+            </a:r>
+            <a:r>
+              <a:rPr lang="en-US" sz="2400" i="1" dirty="0">
+                <a:solidFill>
+                  <a:schemeClr val="accent2">
+                    <a:lumMod val="75000"/>
+                  </a:schemeClr>
+                </a:solidFill>
+              </a:rPr>
+              <a:t> |sort |</a:t>
+            </a:r>
+            <a:r>
+              <a:rPr lang="en-US" sz="2400" i="1" dirty="0" err="1">
+                <a:solidFill>
+                  <a:schemeClr val="accent2">
+                    <a:lumMod val="75000"/>
+                  </a:schemeClr>
+                </a:solidFill>
+              </a:rPr>
+              <a:t>uniq</a:t>
+            </a:r>
+            <a:r>
+              <a:rPr lang="en-US" sz="2400" i="1" dirty="0">
+                <a:solidFill>
+                  <a:schemeClr val="accent2">
+                    <a:lumMod val="75000"/>
+                  </a:schemeClr>
+                </a:solidFill>
+              </a:rPr>
+              <a:t> –c </a:t>
+            </a:r>
+          </a:p>
+          <a:p>
+            <a:pPr marL="0" indent="0" algn="ctr" defTabSz="398433">
+              <a:buNone/>
+              <a:defRPr sz="6984"/>
+            </a:pPr>
+            <a:r>
+              <a:rPr lang="en-US" sz="2400" i="1" dirty="0" err="1">
+                <a:solidFill>
+                  <a:schemeClr val="accent2">
+                    <a:lumMod val="75000"/>
+                  </a:schemeClr>
+                </a:solidFill>
+              </a:rPr>
+              <a:t>condor_q</a:t>
+            </a:r>
+            <a:r>
+              <a:rPr lang="en-US" sz="2400" i="1" dirty="0">
+                <a:solidFill>
+                  <a:schemeClr val="accent2">
+                    <a:lumMod val="75000"/>
+                  </a:schemeClr>
+                </a:solidFill>
+              </a:rPr>
+              <a:t> &lt;</a:t>
+            </a:r>
+            <a:r>
+              <a:rPr lang="en-US" sz="2400" i="1" dirty="0" err="1">
+                <a:solidFill>
+                  <a:schemeClr val="accent2">
+                    <a:lumMod val="75000"/>
+                  </a:schemeClr>
+                </a:solidFill>
+              </a:rPr>
+              <a:t>jobid</a:t>
+            </a:r>
+            <a:r>
+              <a:rPr lang="en-US" sz="2400" i="1" dirty="0">
+                <a:solidFill>
+                  <a:schemeClr val="accent2">
+                    <a:lumMod val="75000"/>
+                  </a:schemeClr>
+                </a:solidFill>
+              </a:rPr>
+              <a:t>&gt; -</a:t>
+            </a:r>
+            <a:r>
+              <a:rPr lang="en-US" sz="2400" i="1" dirty="0" err="1">
+                <a:solidFill>
+                  <a:schemeClr val="accent2">
+                    <a:lumMod val="75000"/>
+                  </a:schemeClr>
+                </a:solidFill>
+              </a:rPr>
+              <a:t>af</a:t>
+            </a:r>
+            <a:r>
+              <a:rPr lang="en-US" sz="2400" i="1" dirty="0">
+                <a:solidFill>
+                  <a:schemeClr val="accent2">
+                    <a:lumMod val="75000"/>
+                  </a:schemeClr>
+                </a:solidFill>
+              </a:rPr>
+              <a:t> </a:t>
+            </a:r>
+            <a:r>
+              <a:rPr lang="en-US" sz="2400" i="1" dirty="0" err="1">
+                <a:solidFill>
+                  <a:schemeClr val="accent2">
+                    <a:lumMod val="75000"/>
+                  </a:schemeClr>
+                </a:solidFill>
+              </a:rPr>
+              <a:t>RequestDisk</a:t>
+            </a:r>
+            <a:r>
+              <a:rPr lang="en-US" sz="2400" i="1" dirty="0">
+                <a:solidFill>
+                  <a:schemeClr val="accent2">
+                    <a:lumMod val="75000"/>
+                  </a:schemeClr>
+                </a:solidFill>
+              </a:rPr>
+              <a:t> </a:t>
+            </a:r>
+            <a:r>
+              <a:rPr lang="en-US" sz="2400" i="1" dirty="0" err="1">
+                <a:solidFill>
+                  <a:schemeClr val="accent2">
+                    <a:lumMod val="75000"/>
+                  </a:schemeClr>
+                </a:solidFill>
+              </a:rPr>
+              <a:t>DiskUsage</a:t>
+            </a:r>
+            <a:r>
+              <a:rPr lang="en-US" sz="2400" i="1" dirty="0">
+                <a:solidFill>
+                  <a:schemeClr val="accent2">
+                    <a:lumMod val="75000"/>
+                  </a:schemeClr>
+                </a:solidFill>
+              </a:rPr>
+              <a:t> |sort |</a:t>
+            </a:r>
+            <a:r>
+              <a:rPr lang="en-US" sz="2400" i="1" dirty="0" err="1">
+                <a:solidFill>
+                  <a:schemeClr val="accent2">
+                    <a:lumMod val="75000"/>
+                  </a:schemeClr>
+                </a:solidFill>
+              </a:rPr>
+              <a:t>uniq</a:t>
+            </a:r>
+            <a:r>
+              <a:rPr lang="en-US" sz="2400" i="1" dirty="0">
+                <a:solidFill>
+                  <a:schemeClr val="accent2">
+                    <a:lumMod val="75000"/>
+                  </a:schemeClr>
+                </a:solidFill>
+              </a:rPr>
+              <a:t> –c</a:t>
+            </a:r>
+            <a:endParaRPr lang="en-US" sz="2400" i="1" dirty="0"/>
+          </a:p>
+          <a:p>
+            <a:pPr defTabSz="398433">
+              <a:buFont typeface="Wingdings" pitchFamily="2" charset="2"/>
+              <a:buChar char="q"/>
+              <a:defRPr sz="6984"/>
+            </a:pPr>
+            <a:r>
+              <a:rPr lang="en-US" sz="3000" dirty="0"/>
+              <a:t>Have an idea/expectation about the software/code’s limit- e.g. </a:t>
+            </a:r>
+            <a:r>
+              <a:rPr lang="en-US" sz="3000" b="1" dirty="0" err="1"/>
+              <a:t>Segfault</a:t>
+            </a:r>
+            <a:r>
+              <a:rPr lang="en-US" sz="3000" b="1" dirty="0"/>
+              <a:t>.</a:t>
+            </a:r>
+          </a:p>
+          <a:p>
+            <a:pPr defTabSz="398433">
+              <a:buFont typeface="Wingdings" pitchFamily="2" charset="2"/>
+              <a:buChar char="q"/>
+              <a:defRPr sz="6984"/>
+            </a:pPr>
+            <a:r>
+              <a:rPr lang="en-US" sz="3000" dirty="0"/>
+              <a:t>Have a general idea about the inner workings of the software and libraries.</a:t>
             </a:r>
           </a:p>
         </p:txBody>
@@ -11475,8 +11588,8 @@
         </p:nvSpPr>
         <p:spPr>
           <a:xfrm>
-            <a:off x="731519" y="0"/>
-            <a:ext cx="10622281" cy="1325563"/>
+            <a:off x="838200" y="0"/>
+            <a:ext cx="9556897" cy="1325563"/>
           </a:xfrm>
           <a:prstGeom prst="rect">
             <a:avLst/>
@@ -11490,15 +11603,21 @@
           <a:p>
             <a:pPr algn="l"/>
             <a:r>
-              <a:rPr sz="4400" b="0" dirty="0">
+              <a:rPr lang="en-US" sz="4400" b="0" dirty="0">
+                <a:solidFill>
+                  <a:schemeClr val="tx1"/>
+                </a:solidFill>
                 <a:latin typeface="Helvetica Neue" panose="02000503000000020004" pitchFamily="2" charset="0"/>
                 <a:ea typeface="Helvetica Neue" panose="02000503000000020004" pitchFamily="2" charset="0"/>
                 <a:cs typeface="Helvetica Neue" panose="02000503000000020004" pitchFamily="2" charset="0"/>
               </a:rPr>
-              <a:t>Issue: </a:t>
-            </a:r>
-            <a:r>
-              <a:rPr sz="4400" b="0" dirty="0" err="1">
+              <a:t>Tips for Avoiding </a:t>
+            </a:r>
+            <a:r>
+              <a:rPr lang="en-US" sz="4400" b="0" dirty="0" err="1">
+                <a:solidFill>
+                  <a:schemeClr val="tx1"/>
+                </a:solidFill>
                 <a:latin typeface="Helvetica Neue" panose="02000503000000020004" pitchFamily="2" charset="0"/>
                 <a:ea typeface="Helvetica Neue" panose="02000503000000020004" pitchFamily="2" charset="0"/>
                 <a:cs typeface="Helvetica Neue" panose="02000503000000020004" pitchFamily="2" charset="0"/>
@@ -11506,6 +11625,9 @@
               <a:t>Badput</a:t>
             </a:r>
             <a:endParaRPr sz="4400" b="0" dirty="0">
+              <a:solidFill>
+                <a:schemeClr val="tx1"/>
+              </a:solidFill>
               <a:latin typeface="Helvetica Neue" panose="02000503000000020004" pitchFamily="2" charset="0"/>
               <a:ea typeface="Helvetica Neue" panose="02000503000000020004" pitchFamily="2" charset="0"/>
               <a:cs typeface="Helvetica Neue" panose="02000503000000020004" pitchFamily="2" charset="0"/>
@@ -11529,7 +11651,7 @@
           </a:prstGeom>
           <a:extLst>
             <a:ext uri="{C572A759-6A51-4108-AA02-DFA0A04FC94B}">
-              <ma14:wrappingTextBoxFlag xmlns:ma14="http://schemas.microsoft.com/office/mac/drawingml/2011/main" xmlns:a14="http://schemas.microsoft.com/office/drawing/2010/main" xmlns:m="http://schemas.openxmlformats.org/officeDocument/2006/math" xmlns="" val="1"/>
+              <ma14:wrappingTextBoxFlag xmlns="" xmlns:m="http://schemas.openxmlformats.org/officeDocument/2006/math" xmlns:a14="http://schemas.microsoft.com/office/drawing/2010/main" xmlns:ma14="http://schemas.microsoft.com/office/mac/drawingml/2011/main" val="1"/>
             </a:ext>
           </a:extLst>
         </p:spPr>
@@ -11546,6 +11668,11 @@
         </p:txBody>
       </p:sp>
     </p:spTree>
+    <p:extLst>
+      <p:ext uri="{BB962C8B-B14F-4D97-AF65-F5344CB8AC3E}">
+        <p14:creationId xmlns:p14="http://schemas.microsoft.com/office/powerpoint/2010/main" val="3017299902"/>
+      </p:ext>
+    </p:extLst>
   </p:cSld>
   <p:clrMapOvr>
     <a:masterClrMapping/>
@@ -11573,18 +11700,24 @@
       </p:grpSpPr>
       <p:sp>
         <p:nvSpPr>
-          <p:cNvPr id="295" name="What is badput?…"/>
-          <p:cNvSpPr txBox="1">
+          <p:cNvPr id="2" name="Title 1">
+            <a:extLst>
+              <a:ext uri="{FF2B5EF4-FFF2-40B4-BE49-F238E27FC236}">
+                <a16:creationId xmlns:a16="http://schemas.microsoft.com/office/drawing/2014/main" id="{FD543A03-9C69-4618-D0FA-46A57A4D7EC4}"/>
+              </a:ext>
+            </a:extLst>
+          </p:cNvPr>
+          <p:cNvSpPr>
             <a:spLocks noGrp="1"/>
           </p:cNvSpPr>
           <p:nvPr>
-            <p:ph type="body" idx="1"/>
+            <p:ph type="title" idx="4294967295"/>
           </p:nvPr>
         </p:nvSpPr>
         <p:spPr>
           <a:xfrm>
-            <a:off x="838200" y="1253330"/>
-            <a:ext cx="11188700" cy="4351339"/>
+            <a:off x="838200" y="365125"/>
+            <a:ext cx="10515600" cy="1325563"/>
           </a:xfrm>
           <a:prstGeom prst="rect">
             <a:avLst/>
@@ -11592,434 +11725,56 @@
         </p:spPr>
         <p:txBody>
           <a:bodyPr>
-            <a:noAutofit/>
+            <a:normAutofit/>
           </a:bodyPr>
           <a:lstStyle/>
           <a:p>
-            <a:pPr defTabSz="398433">
-              <a:buFont typeface="Wingdings" pitchFamily="2" charset="2"/>
-              <a:buChar char="q"/>
-              <a:defRPr sz="6984"/>
-            </a:pPr>
-            <a:r>
-              <a:rPr lang="en-US" sz="3000" dirty="0"/>
-              <a:t>Always test with a </a:t>
-            </a:r>
-            <a:r>
-              <a:rPr lang="en-US" sz="3000" b="1" dirty="0"/>
-              <a:t>small set of jobs </a:t>
-            </a:r>
-            <a:r>
-              <a:rPr lang="en-US" sz="3000" dirty="0"/>
-              <a:t>before scaling up. (This practice applies to any modifications made to a </a:t>
-            </a:r>
-            <a:r>
-              <a:rPr lang="en-US" sz="3000" b="1" dirty="0"/>
-              <a:t>tried and tested </a:t>
-            </a:r>
-            <a:r>
-              <a:rPr lang="en-US" sz="3000" dirty="0"/>
-              <a:t>code as well )</a:t>
-            </a:r>
-          </a:p>
-          <a:p>
-            <a:pPr defTabSz="398433">
-              <a:buFont typeface="Wingdings" pitchFamily="2" charset="2"/>
-              <a:buChar char="q"/>
-              <a:defRPr sz="6984"/>
-            </a:pPr>
-            <a:r>
-              <a:rPr lang="en-US" sz="3000" dirty="0"/>
-              <a:t>Monitor your jobs memory and disk usage</a:t>
-            </a:r>
-          </a:p>
-          <a:p>
-            <a:pPr marL="0" indent="0" algn="ctr" defTabSz="398433">
-              <a:buNone/>
-              <a:defRPr sz="6984"/>
-            </a:pPr>
-            <a:r>
-              <a:rPr lang="en-US" sz="2400" i="1" dirty="0" err="1">
-                <a:solidFill>
-                  <a:schemeClr val="accent2">
-                    <a:lumMod val="75000"/>
-                  </a:schemeClr>
-                </a:solidFill>
-              </a:rPr>
-              <a:t>condor_q</a:t>
-            </a:r>
-            <a:r>
-              <a:rPr lang="en-US" sz="2400" i="1" dirty="0">
-                <a:solidFill>
-                  <a:schemeClr val="accent2">
-                    <a:lumMod val="75000"/>
-                  </a:schemeClr>
-                </a:solidFill>
-              </a:rPr>
-              <a:t> &lt;</a:t>
-            </a:r>
-            <a:r>
-              <a:rPr lang="en-US" sz="2400" i="1" dirty="0" err="1">
-                <a:solidFill>
-                  <a:schemeClr val="accent2">
-                    <a:lumMod val="75000"/>
-                  </a:schemeClr>
-                </a:solidFill>
-              </a:rPr>
-              <a:t>jobid</a:t>
-            </a:r>
-            <a:r>
-              <a:rPr lang="en-US" sz="2400" i="1" dirty="0">
-                <a:solidFill>
-                  <a:schemeClr val="accent2">
-                    <a:lumMod val="75000"/>
-                  </a:schemeClr>
-                </a:solidFill>
-              </a:rPr>
-              <a:t>&gt; -</a:t>
-            </a:r>
-            <a:r>
-              <a:rPr lang="en-US" sz="2400" i="1" dirty="0" err="1">
-                <a:solidFill>
-                  <a:schemeClr val="accent2">
-                    <a:lumMod val="75000"/>
-                  </a:schemeClr>
-                </a:solidFill>
-              </a:rPr>
-              <a:t>af</a:t>
-            </a:r>
-            <a:r>
-              <a:rPr lang="en-US" sz="2400" i="1" dirty="0">
-                <a:solidFill>
-                  <a:schemeClr val="accent2">
-                    <a:lumMod val="75000"/>
-                  </a:schemeClr>
-                </a:solidFill>
-              </a:rPr>
-              <a:t> </a:t>
-            </a:r>
-            <a:r>
-              <a:rPr lang="en-US" sz="2400" i="1" dirty="0" err="1">
-                <a:solidFill>
-                  <a:schemeClr val="accent2">
-                    <a:lumMod val="75000"/>
-                  </a:schemeClr>
-                </a:solidFill>
-              </a:rPr>
-              <a:t>RequestMemory</a:t>
-            </a:r>
-            <a:r>
-              <a:rPr lang="en-US" sz="2400" i="1" dirty="0">
-                <a:solidFill>
-                  <a:schemeClr val="accent2">
-                    <a:lumMod val="75000"/>
-                  </a:schemeClr>
-                </a:solidFill>
-              </a:rPr>
-              <a:t> </a:t>
-            </a:r>
-            <a:r>
-              <a:rPr lang="en-US" sz="2400" i="1" dirty="0" err="1">
-                <a:solidFill>
-                  <a:schemeClr val="accent2">
-                    <a:lumMod val="75000"/>
-                  </a:schemeClr>
-                </a:solidFill>
-              </a:rPr>
-              <a:t>MemoryUsage</a:t>
-            </a:r>
-            <a:r>
-              <a:rPr lang="en-US" sz="2400" i="1" dirty="0">
-                <a:solidFill>
-                  <a:schemeClr val="accent2">
-                    <a:lumMod val="75000"/>
-                  </a:schemeClr>
-                </a:solidFill>
-              </a:rPr>
-              <a:t> |sort |</a:t>
-            </a:r>
-            <a:r>
-              <a:rPr lang="en-US" sz="2400" i="1" dirty="0" err="1">
-                <a:solidFill>
-                  <a:schemeClr val="accent2">
-                    <a:lumMod val="75000"/>
-                  </a:schemeClr>
-                </a:solidFill>
-              </a:rPr>
-              <a:t>uniq</a:t>
-            </a:r>
-            <a:r>
-              <a:rPr lang="en-US" sz="2400" i="1" dirty="0">
-                <a:solidFill>
-                  <a:schemeClr val="accent2">
-                    <a:lumMod val="75000"/>
-                  </a:schemeClr>
-                </a:solidFill>
-              </a:rPr>
-              <a:t> –c </a:t>
-            </a:r>
-          </a:p>
-          <a:p>
-            <a:pPr marL="0" indent="0" algn="ctr" defTabSz="398433">
-              <a:buNone/>
-              <a:defRPr sz="6984"/>
-            </a:pPr>
-            <a:r>
-              <a:rPr lang="en-US" sz="2400" i="1" dirty="0" err="1">
-                <a:solidFill>
-                  <a:schemeClr val="accent2">
-                    <a:lumMod val="75000"/>
-                  </a:schemeClr>
-                </a:solidFill>
-              </a:rPr>
-              <a:t>condor_q</a:t>
-            </a:r>
-            <a:r>
-              <a:rPr lang="en-US" sz="2400" i="1" dirty="0">
-                <a:solidFill>
-                  <a:schemeClr val="accent2">
-                    <a:lumMod val="75000"/>
-                  </a:schemeClr>
-                </a:solidFill>
-              </a:rPr>
-              <a:t> &lt;</a:t>
-            </a:r>
-            <a:r>
-              <a:rPr lang="en-US" sz="2400" i="1" dirty="0" err="1">
-                <a:solidFill>
-                  <a:schemeClr val="accent2">
-                    <a:lumMod val="75000"/>
-                  </a:schemeClr>
-                </a:solidFill>
-              </a:rPr>
-              <a:t>jobid</a:t>
-            </a:r>
-            <a:r>
-              <a:rPr lang="en-US" sz="2400" i="1" dirty="0">
-                <a:solidFill>
-                  <a:schemeClr val="accent2">
-                    <a:lumMod val="75000"/>
-                  </a:schemeClr>
-                </a:solidFill>
-              </a:rPr>
-              <a:t>&gt; -</a:t>
-            </a:r>
-            <a:r>
-              <a:rPr lang="en-US" sz="2400" i="1" dirty="0" err="1">
-                <a:solidFill>
-                  <a:schemeClr val="accent2">
-                    <a:lumMod val="75000"/>
-                  </a:schemeClr>
-                </a:solidFill>
-              </a:rPr>
-              <a:t>af</a:t>
-            </a:r>
-            <a:r>
-              <a:rPr lang="en-US" sz="2400" i="1" dirty="0">
-                <a:solidFill>
-                  <a:schemeClr val="accent2">
-                    <a:lumMod val="75000"/>
-                  </a:schemeClr>
-                </a:solidFill>
-              </a:rPr>
-              <a:t> </a:t>
-            </a:r>
-            <a:r>
-              <a:rPr lang="en-US" sz="2400" i="1" dirty="0" err="1">
-                <a:solidFill>
-                  <a:schemeClr val="accent2">
-                    <a:lumMod val="75000"/>
-                  </a:schemeClr>
-                </a:solidFill>
-              </a:rPr>
-              <a:t>RequestDisk</a:t>
-            </a:r>
-            <a:r>
-              <a:rPr lang="en-US" sz="2400" i="1" dirty="0">
-                <a:solidFill>
-                  <a:schemeClr val="accent2">
-                    <a:lumMod val="75000"/>
-                  </a:schemeClr>
-                </a:solidFill>
-              </a:rPr>
-              <a:t> </a:t>
-            </a:r>
-            <a:r>
-              <a:rPr lang="en-US" sz="2400" i="1" dirty="0" err="1">
-                <a:solidFill>
-                  <a:schemeClr val="accent2">
-                    <a:lumMod val="75000"/>
-                  </a:schemeClr>
-                </a:solidFill>
-              </a:rPr>
-              <a:t>DiskUsage</a:t>
-            </a:r>
-            <a:r>
-              <a:rPr lang="en-US" sz="2400" i="1" dirty="0">
-                <a:solidFill>
-                  <a:schemeClr val="accent2">
-                    <a:lumMod val="75000"/>
-                  </a:schemeClr>
-                </a:solidFill>
-              </a:rPr>
-              <a:t> |sort |</a:t>
-            </a:r>
-            <a:r>
-              <a:rPr lang="en-US" sz="2400" i="1" dirty="0" err="1">
-                <a:solidFill>
-                  <a:schemeClr val="accent2">
-                    <a:lumMod val="75000"/>
-                  </a:schemeClr>
-                </a:solidFill>
-              </a:rPr>
-              <a:t>uniq</a:t>
-            </a:r>
-            <a:r>
-              <a:rPr lang="en-US" sz="2400" i="1" dirty="0">
-                <a:solidFill>
-                  <a:schemeClr val="accent2">
-                    <a:lumMod val="75000"/>
-                  </a:schemeClr>
-                </a:solidFill>
-              </a:rPr>
-              <a:t> –c</a:t>
-            </a:r>
-            <a:endParaRPr lang="en-US" sz="2400" i="1" dirty="0"/>
-          </a:p>
-          <a:p>
-            <a:pPr defTabSz="398433">
-              <a:buFont typeface="Wingdings" pitchFamily="2" charset="2"/>
-              <a:buChar char="q"/>
-              <a:defRPr sz="6984"/>
-            </a:pPr>
-            <a:r>
-              <a:rPr lang="en-US" sz="3000" dirty="0"/>
-              <a:t>Have an idea/expectation about the software/code’s limit- e.g. </a:t>
-            </a:r>
-            <a:r>
-              <a:rPr lang="en-US" sz="3000" b="1" dirty="0" err="1"/>
-              <a:t>Segfault</a:t>
-            </a:r>
-            <a:r>
-              <a:rPr lang="en-US" sz="3000" b="1" dirty="0"/>
-              <a:t>.</a:t>
-            </a:r>
-          </a:p>
-          <a:p>
-            <a:pPr defTabSz="398433">
-              <a:buFont typeface="Wingdings" pitchFamily="2" charset="2"/>
-              <a:buChar char="q"/>
-              <a:defRPr sz="6984"/>
-            </a:pPr>
-            <a:r>
-              <a:rPr lang="en-US" sz="3000" dirty="0"/>
-              <a:t>Have a general idea about the inner workings of the software and libraries.</a:t>
-            </a:r>
-          </a:p>
-        </p:txBody>
-      </p:sp>
-      <p:sp>
-        <p:nvSpPr>
-          <p:cNvPr id="296" name="Issue: Badput"/>
-          <p:cNvSpPr txBox="1">
+            <a:pPr algn="ctr"/>
+            <a:r>
+              <a:rPr lang="en-US" dirty="0">
+                <a:latin typeface="Arial" panose="020B0604020202020204" pitchFamily="34" charset="0"/>
+                <a:cs typeface="Arial" panose="020B0604020202020204" pitchFamily="34" charset="0"/>
+              </a:rPr>
+              <a:t>DEMO 2</a:t>
+            </a:r>
+          </a:p>
+        </p:txBody>
+      </p:sp>
+      <p:sp>
+        <p:nvSpPr>
+          <p:cNvPr id="3" name="Content Placeholder 2">
+            <a:extLst>
+              <a:ext uri="{FF2B5EF4-FFF2-40B4-BE49-F238E27FC236}">
+                <a16:creationId xmlns:a16="http://schemas.microsoft.com/office/drawing/2014/main" id="{AE8C2A0C-90EC-B352-4C30-63BAFB81DEA9}"/>
+              </a:ext>
+            </a:extLst>
+          </p:cNvPr>
+          <p:cNvSpPr>
             <a:spLocks noGrp="1"/>
           </p:cNvSpPr>
           <p:nvPr>
-            <p:ph type="title"/>
+            <p:ph idx="1"/>
           </p:nvPr>
         </p:nvSpPr>
-        <p:spPr>
-          <a:xfrm>
-            <a:off x="838200" y="0"/>
-            <a:ext cx="9556897" cy="1325563"/>
-          </a:xfrm>
-          <a:prstGeom prst="rect">
-            <a:avLst/>
-          </a:prstGeom>
-        </p:spPr>
-        <p:txBody>
-          <a:bodyPr>
-            <a:normAutofit/>
-          </a:bodyPr>
-          <a:lstStyle/>
-          <a:p>
-            <a:pPr algn="l"/>
-            <a:r>
-              <a:rPr lang="en-US" sz="4400" b="0" dirty="0">
-                <a:solidFill>
-                  <a:schemeClr val="tx1"/>
-                </a:solidFill>
-                <a:latin typeface="Helvetica Neue" panose="02000503000000020004" pitchFamily="2" charset="0"/>
-                <a:ea typeface="Helvetica Neue" panose="02000503000000020004" pitchFamily="2" charset="0"/>
-                <a:cs typeface="Helvetica Neue" panose="02000503000000020004" pitchFamily="2" charset="0"/>
-              </a:rPr>
-              <a:t>Tips for Avoiding </a:t>
-            </a:r>
-            <a:r>
-              <a:rPr lang="en-US" sz="4400" b="0" dirty="0" err="1">
-                <a:solidFill>
-                  <a:schemeClr val="tx1"/>
-                </a:solidFill>
-                <a:latin typeface="Helvetica Neue" panose="02000503000000020004" pitchFamily="2" charset="0"/>
-                <a:ea typeface="Helvetica Neue" panose="02000503000000020004" pitchFamily="2" charset="0"/>
-                <a:cs typeface="Helvetica Neue" panose="02000503000000020004" pitchFamily="2" charset="0"/>
-              </a:rPr>
-              <a:t>Badput</a:t>
-            </a:r>
-            <a:endParaRPr sz="4400" b="0" dirty="0">
-              <a:solidFill>
-                <a:schemeClr val="tx1"/>
-              </a:solidFill>
-              <a:latin typeface="Helvetica Neue" panose="02000503000000020004" pitchFamily="2" charset="0"/>
-              <a:ea typeface="Helvetica Neue" panose="02000503000000020004" pitchFamily="2" charset="0"/>
-              <a:cs typeface="Helvetica Neue" panose="02000503000000020004" pitchFamily="2" charset="0"/>
-            </a:endParaRPr>
-          </a:p>
-        </p:txBody>
-      </p:sp>
-      <p:sp>
-        <p:nvSpPr>
-          <p:cNvPr id="297" name="Slide Number"/>
-          <p:cNvSpPr txBox="1">
-            <a:spLocks noGrp="1"/>
-          </p:cNvSpPr>
-          <p:nvPr>
-            <p:ph type="sldNum" sz="quarter" idx="2"/>
-          </p:nvPr>
-        </p:nvSpPr>
-        <p:spPr>
-          <a:prstGeom prst="rect">
-            <a:avLst/>
-          </a:prstGeom>
-          <a:extLst>
-            <a:ext uri="{C572A759-6A51-4108-AA02-DFA0A04FC94B}">
-              <ma14:wrappingTextBoxFlag xmlns="" xmlns:m="http://schemas.openxmlformats.org/officeDocument/2006/math" xmlns:a14="http://schemas.microsoft.com/office/drawing/2010/main" xmlns:ma14="http://schemas.microsoft.com/office/mac/drawingml/2011/main" val="1"/>
-            </a:ext>
-          </a:extLst>
-        </p:spPr>
+        <p:spPr/>
         <p:txBody>
           <a:bodyPr/>
           <a:lstStyle/>
           <a:p>
-            <a:fld id="{86CB4B4D-7CA3-9044-876B-883B54F8677D}" type="slidenum">
-              <a:rPr/>
-              <a:t>23</a:t>
-            </a:fld>
-            <a:endParaRPr/>
+            <a:endParaRPr lang="en-US" dirty="0"/>
           </a:p>
         </p:txBody>
       </p:sp>
     </p:spTree>
     <p:extLst>
       <p:ext uri="{BB962C8B-B14F-4D97-AF65-F5344CB8AC3E}">
-        <p14:creationId xmlns:p14="http://schemas.microsoft.com/office/powerpoint/2010/main" val="3017299902"/>
+        <p14:creationId xmlns:p14="http://schemas.microsoft.com/office/powerpoint/2010/main" val="3503967192"/>
       </p:ext>
     </p:extLst>
   </p:cSld>
   <p:clrMapOvr>
     <a:masterClrMapping/>
   </p:clrMapOvr>
-  <p:transition spd="med"/>
 </p:sld>
 </file>
 
@@ -12042,10 +11797,10 @@
       </p:grpSpPr>
       <p:sp>
         <p:nvSpPr>
-          <p:cNvPr id="2" name="Title 1">
+          <p:cNvPr id="2" name="Text Placeholder 1">
             <a:extLst>
               <a:ext uri="{FF2B5EF4-FFF2-40B4-BE49-F238E27FC236}">
-                <a16:creationId xmlns:a16="http://schemas.microsoft.com/office/drawing/2014/main" id="{FD543A03-9C69-4618-D0FA-46A57A4D7EC4}"/>
+                <a16:creationId xmlns:a16="http://schemas.microsoft.com/office/drawing/2014/main" id="{0FB12396-5D52-1E0A-E1F1-3032B88564FB}"/>
               </a:ext>
             </a:extLst>
           </p:cNvPr>
@@ -12053,41 +11808,89 @@
             <a:spLocks noGrp="1"/>
           </p:cNvSpPr>
           <p:nvPr>
-            <p:ph type="title" idx="4294967295"/>
+            <p:ph type="body" idx="1"/>
           </p:nvPr>
         </p:nvSpPr>
-        <p:spPr>
-          <a:xfrm>
-            <a:off x="838200" y="365125"/>
-            <a:ext cx="10515600" cy="1325563"/>
-          </a:xfrm>
-          <a:prstGeom prst="rect">
-            <a:avLst/>
-          </a:prstGeom>
-        </p:spPr>
+        <p:spPr/>
         <p:txBody>
           <a:bodyPr>
             <a:normAutofit/>
           </a:bodyPr>
           <a:lstStyle/>
           <a:p>
-            <a:pPr algn="ctr"/>
-            <a:r>
-              <a:rPr lang="en-US" dirty="0">
-                <a:latin typeface="Arial" panose="020B0604020202020204" pitchFamily="34" charset="0"/>
-                <a:cs typeface="Arial" panose="020B0604020202020204" pitchFamily="34" charset="0"/>
-              </a:rPr>
-              <a:t>DEMO 2</a:t>
-            </a:r>
-          </a:p>
-        </p:txBody>
-      </p:sp>
-      <p:sp>
-        <p:nvSpPr>
-          <p:cNvPr id="3" name="Content Placeholder 2">
+            <a:pPr>
+              <a:spcBef>
+                <a:spcPts val="2000"/>
+              </a:spcBef>
+            </a:pPr>
+            <a:r>
+              <a:rPr lang="en-US" sz="3733" dirty="0"/>
+              <a:t>Tim Cartwright’s OSG User School 2021 talk</a:t>
+            </a:r>
+          </a:p>
+          <a:p>
+            <a:pPr>
+              <a:spcBef>
+                <a:spcPts val="2000"/>
+              </a:spcBef>
+            </a:pPr>
+            <a:r>
+              <a:rPr lang="en-US" sz="3733" dirty="0" err="1"/>
+              <a:t>OSPool</a:t>
+            </a:r>
+            <a:r>
+              <a:rPr lang="en-US" sz="3733" dirty="0"/>
+              <a:t> Documentation-</a:t>
+            </a:r>
+            <a:r>
+              <a:rPr lang="en-US" sz="3733" u="sng" dirty="0">
+                <a:solidFill>
+                  <a:srgbClr val="0070C0"/>
+                </a:solidFill>
+              </a:rPr>
+              <a:t>https://</a:t>
+            </a:r>
+            <a:r>
+              <a:rPr lang="en-US" sz="3733" u="sng" dirty="0" err="1">
+                <a:solidFill>
+                  <a:srgbClr val="0070C0"/>
+                </a:solidFill>
+              </a:rPr>
+              <a:t>portal.osg-htc.org</a:t>
+            </a:r>
+            <a:r>
+              <a:rPr lang="en-US" sz="3733" u="sng" dirty="0">
+                <a:solidFill>
+                  <a:srgbClr val="0070C0"/>
+                </a:solidFill>
+              </a:rPr>
+              <a:t>/documentation/</a:t>
+            </a:r>
+          </a:p>
+          <a:p>
+            <a:pPr>
+              <a:spcBef>
+                <a:spcPts val="2000"/>
+              </a:spcBef>
+            </a:pPr>
+            <a:r>
+              <a:rPr lang="en-US" sz="3733" dirty="0"/>
+              <a:t>Can’t solve issues-email us: </a:t>
+            </a:r>
+            <a:r>
+              <a:rPr lang="en-US" sz="3733" dirty="0" err="1"/>
+              <a:t>support@osg-htc.org</a:t>
+            </a:r>
+            <a:endParaRPr lang="en-US" sz="3733" dirty="0"/>
+          </a:p>
+        </p:txBody>
+      </p:sp>
+      <p:sp>
+        <p:nvSpPr>
+          <p:cNvPr id="3" name="Title 2">
             <a:extLst>
               <a:ext uri="{FF2B5EF4-FFF2-40B4-BE49-F238E27FC236}">
-                <a16:creationId xmlns:a16="http://schemas.microsoft.com/office/drawing/2014/main" id="{AE8C2A0C-90EC-B352-4C30-63BAFB81DEA9}"/>
+                <a16:creationId xmlns:a16="http://schemas.microsoft.com/office/drawing/2014/main" id="{EFC0E6B3-5E73-132B-D531-79F82C903290}"/>
               </a:ext>
             </a:extLst>
           </p:cNvPr>
@@ -12095,28 +11898,44 @@
             <a:spLocks noGrp="1"/>
           </p:cNvSpPr>
           <p:nvPr>
-            <p:ph idx="1"/>
+            <p:ph type="title"/>
           </p:nvPr>
         </p:nvSpPr>
-        <p:spPr/>
-        <p:txBody>
-          <a:bodyPr/>
+        <p:spPr>
+          <a:xfrm>
+            <a:off x="810768" y="0"/>
+            <a:ext cx="10234324" cy="1325563"/>
+          </a:xfrm>
+        </p:spPr>
+        <p:txBody>
+          <a:bodyPr>
+            <a:normAutofit/>
+          </a:bodyPr>
           <a:lstStyle/>
           <a:p>
-            <a:endParaRPr lang="en-US" dirty="0"/>
+            <a:pPr algn="l"/>
+            <a:r>
+              <a:rPr lang="en-US" sz="4400" b="0" dirty="0">
+                <a:latin typeface="Helvetica Neue" panose="02000503000000020004" pitchFamily="2" charset="0"/>
+                <a:ea typeface="Helvetica Neue" panose="02000503000000020004" pitchFamily="2" charset="0"/>
+                <a:cs typeface="Helvetica Neue" panose="02000503000000020004" pitchFamily="2" charset="0"/>
+              </a:rPr>
+              <a:t>More Troubleshooting Resources </a:t>
+            </a:r>
           </a:p>
         </p:txBody>
       </p:sp>
     </p:spTree>
     <p:extLst>
       <p:ext uri="{BB962C8B-B14F-4D97-AF65-F5344CB8AC3E}">
-        <p14:creationId xmlns:p14="http://schemas.microsoft.com/office/powerpoint/2010/main" val="3503967192"/>
+        <p14:creationId xmlns:p14="http://schemas.microsoft.com/office/powerpoint/2010/main" val="3739615466"/>
       </p:ext>
     </p:extLst>
   </p:cSld>
   <p:clrMapOvr>
     <a:masterClrMapping/>
   </p:clrMapOvr>
+  <p:transition spd="med"/>
 </p:sld>
 </file>
 
@@ -12139,167 +11958,6 @@
       </p:grpSpPr>
       <p:sp>
         <p:nvSpPr>
-          <p:cNvPr id="2" name="Text Placeholder 1">
-            <a:extLst>
-              <a:ext uri="{FF2B5EF4-FFF2-40B4-BE49-F238E27FC236}">
-                <a16:creationId xmlns:a16="http://schemas.microsoft.com/office/drawing/2014/main" id="{0FB12396-5D52-1E0A-E1F1-3032B88564FB}"/>
-              </a:ext>
-            </a:extLst>
-          </p:cNvPr>
-          <p:cNvSpPr>
-            <a:spLocks noGrp="1"/>
-          </p:cNvSpPr>
-          <p:nvPr>
-            <p:ph type="body" idx="1"/>
-          </p:nvPr>
-        </p:nvSpPr>
-        <p:spPr/>
-        <p:txBody>
-          <a:bodyPr>
-            <a:normAutofit/>
-          </a:bodyPr>
-          <a:lstStyle/>
-          <a:p>
-            <a:pPr>
-              <a:spcBef>
-                <a:spcPts val="2000"/>
-              </a:spcBef>
-            </a:pPr>
-            <a:r>
-              <a:rPr lang="en-US" sz="3733" dirty="0"/>
-              <a:t>Tim Cartwright’s OSG User School 2021 talk</a:t>
-            </a:r>
-          </a:p>
-          <a:p>
-            <a:pPr>
-              <a:spcBef>
-                <a:spcPts val="2000"/>
-              </a:spcBef>
-            </a:pPr>
-            <a:r>
-              <a:rPr lang="en-US" sz="3733" dirty="0" err="1"/>
-              <a:t>OSPool</a:t>
-            </a:r>
-            <a:r>
-              <a:rPr lang="en-US" sz="3733" dirty="0"/>
-              <a:t> Documentation-</a:t>
-            </a:r>
-            <a:r>
-              <a:rPr lang="en-US" sz="3733" u="sng" dirty="0">
-                <a:solidFill>
-                  <a:srgbClr val="0070C0"/>
-                </a:solidFill>
-              </a:rPr>
-              <a:t>https://</a:t>
-            </a:r>
-            <a:r>
-              <a:rPr lang="en-US" sz="3733" u="sng" dirty="0" err="1">
-                <a:solidFill>
-                  <a:srgbClr val="0070C0"/>
-                </a:solidFill>
-              </a:rPr>
-              <a:t>portal.osg-htc.org</a:t>
-            </a:r>
-            <a:r>
-              <a:rPr lang="en-US" sz="3733" u="sng" dirty="0">
-                <a:solidFill>
-                  <a:srgbClr val="0070C0"/>
-                </a:solidFill>
-              </a:rPr>
-              <a:t>/documentation/</a:t>
-            </a:r>
-          </a:p>
-          <a:p>
-            <a:pPr>
-              <a:spcBef>
-                <a:spcPts val="2000"/>
-              </a:spcBef>
-            </a:pPr>
-            <a:r>
-              <a:rPr lang="en-US" sz="3733" dirty="0"/>
-              <a:t>Can’t solve issues-email us: </a:t>
-            </a:r>
-            <a:r>
-              <a:rPr lang="en-US" sz="3733" dirty="0" err="1"/>
-              <a:t>support@osg-htc.org</a:t>
-            </a:r>
-            <a:endParaRPr lang="en-US" sz="3733" dirty="0"/>
-          </a:p>
-        </p:txBody>
-      </p:sp>
-      <p:sp>
-        <p:nvSpPr>
-          <p:cNvPr id="3" name="Title 2">
-            <a:extLst>
-              <a:ext uri="{FF2B5EF4-FFF2-40B4-BE49-F238E27FC236}">
-                <a16:creationId xmlns:a16="http://schemas.microsoft.com/office/drawing/2014/main" id="{EFC0E6B3-5E73-132B-D531-79F82C903290}"/>
-              </a:ext>
-            </a:extLst>
-          </p:cNvPr>
-          <p:cNvSpPr>
-            <a:spLocks noGrp="1"/>
-          </p:cNvSpPr>
-          <p:nvPr>
-            <p:ph type="title"/>
-          </p:nvPr>
-        </p:nvSpPr>
-        <p:spPr>
-          <a:xfrm>
-            <a:off x="810768" y="0"/>
-            <a:ext cx="10234324" cy="1325563"/>
-          </a:xfrm>
-        </p:spPr>
-        <p:txBody>
-          <a:bodyPr>
-            <a:normAutofit/>
-          </a:bodyPr>
-          <a:lstStyle/>
-          <a:p>
-            <a:pPr algn="l"/>
-            <a:r>
-              <a:rPr lang="en-US" sz="4400" b="0" dirty="0">
-                <a:latin typeface="Helvetica Neue" panose="02000503000000020004" pitchFamily="2" charset="0"/>
-                <a:ea typeface="Helvetica Neue" panose="02000503000000020004" pitchFamily="2" charset="0"/>
-                <a:cs typeface="Helvetica Neue" panose="02000503000000020004" pitchFamily="2" charset="0"/>
-              </a:rPr>
-              <a:t>More Troubleshooting Resources </a:t>
-            </a:r>
-          </a:p>
-        </p:txBody>
-      </p:sp>
-    </p:spTree>
-    <p:extLst>
-      <p:ext uri="{BB962C8B-B14F-4D97-AF65-F5344CB8AC3E}">
-        <p14:creationId xmlns:p14="http://schemas.microsoft.com/office/powerpoint/2010/main" val="3739615466"/>
-      </p:ext>
-    </p:extLst>
-  </p:cSld>
-  <p:clrMapOvr>
-    <a:masterClrMapping/>
-  </p:clrMapOvr>
-  <p:transition spd="med"/>
-</p:sld>
-</file>
-
-<file path=ppt/slides/slide26.xml><?xml version="1.0" encoding="utf-8"?>
-<p:sld xmlns:a="http://schemas.openxmlformats.org/drawingml/2006/main" xmlns:r="http://schemas.openxmlformats.org/officeDocument/2006/relationships" xmlns:p="http://schemas.openxmlformats.org/presentationml/2006/main">
-  <p:cSld>
-    <p:spTree>
-      <p:nvGrpSpPr>
-        <p:cNvPr id="1" name=""/>
-        <p:cNvGrpSpPr/>
-        <p:nvPr/>
-      </p:nvGrpSpPr>
-      <p:grpSpPr>
-        <a:xfrm>
-          <a:off x="0" y="0"/>
-          <a:ext cx="0" cy="0"/>
-          <a:chOff x="0" y="0"/>
-          <a:chExt cx="0" cy="0"/>
-        </a:xfrm>
-      </p:grpSpPr>
-      <p:sp>
-        <p:nvSpPr>
           <p:cNvPr id="310" name="OSG team, especially Brian Lin, Mats Rynge, and Jason Patton…"/>
           <p:cNvSpPr txBox="1">
             <a:spLocks noGrp="1"/>
@@ -12407,7 +12065,7 @@
           <a:p>
             <a:fld id="{86CB4B4D-7CA3-9044-876B-883B54F8677D}" type="slidenum">
               <a:rPr/>
-              <a:t>26</a:t>
+              <a:t>25</a:t>
             </a:fld>
             <a:endParaRPr/>
           </a:p>
